--- a/愛與被愛.pptx
+++ b/愛與被愛.pptx
@@ -2,7 +2,7 @@
 <file path=ppt/presentation.xml><?xml version="1.0" encoding="utf-8"?>
 <p:presentation xmlns:a="http://schemas.openxmlformats.org/drawingml/2006/main" xmlns:r="http://schemas.openxmlformats.org/officeDocument/2006/relationships" xmlns:p="http://schemas.openxmlformats.org/presentationml/2006/main" saveSubsetFonts="1">
   <p:sldMasterIdLst>
-    <p:sldMasterId id="2147483660" r:id="rId1"/>
+    <p:sldMasterId id="2147483672" r:id="rId1"/>
   </p:sldMasterIdLst>
   <p:sldIdLst>
     <p:sldId id="256" r:id="rId2"/>
@@ -12,7 +12,7 @@
     <p:sldId id="260" r:id="rId6"/>
     <p:sldId id="261" r:id="rId7"/>
   </p:sldIdLst>
-  <p:sldSz cx="9144000" cy="6858000" type="screen4x3"/>
+  <p:sldSz cx="12192000" cy="6858000"/>
   <p:notesSz cx="6858000" cy="9144000"/>
   <p:defaultTextStyle>
     <a:defPPr>
@@ -109,6 +109,22 @@
       </a:defRPr>
     </a:lvl9pPr>
   </p:defaultTextStyle>
+  <p:extLst>
+    <p:ext uri="{EFAFB233-063F-42B5-8137-9DF3F51BA10A}">
+      <p15:sldGuideLst xmlns:p15="http://schemas.microsoft.com/office/powerpoint/2012/main">
+        <p15:guide id="1" orient="horz" pos="2160" userDrawn="1">
+          <p15:clr>
+            <a:srgbClr val="A4A3A4"/>
+          </p15:clr>
+        </p15:guide>
+        <p15:guide id="2" pos="3840" userDrawn="1">
+          <p15:clr>
+            <a:srgbClr val="A4A3A4"/>
+          </p15:clr>
+        </p15:guide>
+      </p15:sldGuideLst>
+    </p:ext>
+  </p:extLst>
 </p:presentation>
 </file>
 
@@ -131,7 +147,7 @@
       </p:grpSpPr>
       <p:sp>
         <p:nvSpPr>
-          <p:cNvPr id="2" name="Title 1"/>
+          <p:cNvPr id="2" name="標題 1"/>
           <p:cNvSpPr>
             <a:spLocks noGrp="1"/>
           </p:cNvSpPr>
@@ -141,8 +157,8 @@
         </p:nvSpPr>
         <p:spPr>
           <a:xfrm>
-            <a:off x="685800" y="2130425"/>
-            <a:ext cx="7772400" cy="1470025"/>
+            <a:off x="914400" y="2130426"/>
+            <a:ext cx="10363200" cy="1470025"/>
           </a:xfrm>
         </p:spPr>
         <p:txBody>
@@ -150,16 +166,16 @@
           <a:lstStyle/>
           <a:p>
             <a:r>
-              <a:rPr lang="zh-TW" altLang="en-US" smtClean="0"/>
-              <a:t>按一下以編輯母片標題樣式</a:t>
-            </a:r>
-            <a:endParaRPr lang="en-US"/>
-          </a:p>
-        </p:txBody>
-      </p:sp>
-      <p:sp>
-        <p:nvSpPr>
-          <p:cNvPr id="3" name="Subtitle 2"/>
+              <a:rPr lang="en-US" altLang="zh-TW" smtClean="0"/>
+              <a:t>Click to edit Master title style</a:t>
+            </a:r>
+            <a:endParaRPr lang="zh-TW" altLang="en-US"/>
+          </a:p>
+        </p:txBody>
+      </p:sp>
+      <p:sp>
+        <p:nvSpPr>
+          <p:cNvPr id="3" name="副標題 2"/>
           <p:cNvSpPr>
             <a:spLocks noGrp="1"/>
           </p:cNvSpPr>
@@ -169,8 +185,8 @@
         </p:nvSpPr>
         <p:spPr>
           <a:xfrm>
-            <a:off x="1371600" y="3886200"/>
-            <a:ext cx="6400800" cy="1752600"/>
+            <a:off x="1828800" y="3886200"/>
+            <a:ext cx="8534400" cy="1752600"/>
           </a:xfrm>
         </p:spPr>
         <p:txBody>
@@ -186,7 +202,7 @@
                 </a:solidFill>
               </a:defRPr>
             </a:lvl1pPr>
-            <a:lvl2pPr marL="457200" indent="0" algn="ctr">
+            <a:lvl2pPr marL="609585" indent="0" algn="ctr">
               <a:buNone/>
               <a:defRPr>
                 <a:solidFill>
@@ -196,7 +212,7 @@
                 </a:solidFill>
               </a:defRPr>
             </a:lvl2pPr>
-            <a:lvl3pPr marL="914400" indent="0" algn="ctr">
+            <a:lvl3pPr marL="1219170" indent="0" algn="ctr">
               <a:buNone/>
               <a:defRPr>
                 <a:solidFill>
@@ -206,7 +222,7 @@
                 </a:solidFill>
               </a:defRPr>
             </a:lvl3pPr>
-            <a:lvl4pPr marL="1371600" indent="0" algn="ctr">
+            <a:lvl4pPr marL="1828754" indent="0" algn="ctr">
               <a:buNone/>
               <a:defRPr>
                 <a:solidFill>
@@ -216,7 +232,7 @@
                 </a:solidFill>
               </a:defRPr>
             </a:lvl4pPr>
-            <a:lvl5pPr marL="1828800" indent="0" algn="ctr">
+            <a:lvl5pPr marL="2438339" indent="0" algn="ctr">
               <a:buNone/>
               <a:defRPr>
                 <a:solidFill>
@@ -226,7 +242,7 @@
                 </a:solidFill>
               </a:defRPr>
             </a:lvl5pPr>
-            <a:lvl6pPr marL="2286000" indent="0" algn="ctr">
+            <a:lvl6pPr marL="3047924" indent="0" algn="ctr">
               <a:buNone/>
               <a:defRPr>
                 <a:solidFill>
@@ -236,7 +252,7 @@
                 </a:solidFill>
               </a:defRPr>
             </a:lvl6pPr>
-            <a:lvl7pPr marL="2743200" indent="0" algn="ctr">
+            <a:lvl7pPr marL="3657509" indent="0" algn="ctr">
               <a:buNone/>
               <a:defRPr>
                 <a:solidFill>
@@ -246,7 +262,7 @@
                 </a:solidFill>
               </a:defRPr>
             </a:lvl7pPr>
-            <a:lvl8pPr marL="3200400" indent="0" algn="ctr">
+            <a:lvl8pPr marL="4267093" indent="0" algn="ctr">
               <a:buNone/>
               <a:defRPr>
                 <a:solidFill>
@@ -256,7 +272,7 @@
                 </a:solidFill>
               </a:defRPr>
             </a:lvl8pPr>
-            <a:lvl9pPr marL="3657600" indent="0" algn="ctr">
+            <a:lvl9pPr marL="4876678" indent="0" algn="ctr">
               <a:buNone/>
               <a:defRPr>
                 <a:solidFill>
@@ -269,16 +285,16 @@
           </a:lstStyle>
           <a:p>
             <a:r>
-              <a:rPr lang="zh-TW" altLang="en-US" smtClean="0"/>
-              <a:t>按一下以編輯母片副標題樣式</a:t>
-            </a:r>
-            <a:endParaRPr lang="en-US"/>
-          </a:p>
-        </p:txBody>
-      </p:sp>
-      <p:sp>
-        <p:nvSpPr>
-          <p:cNvPr id="4" name="Date Placeholder 3"/>
+              <a:rPr lang="en-US" altLang="zh-TW" smtClean="0"/>
+              <a:t>Click to edit Master subtitle style</a:t>
+            </a:r>
+            <a:endParaRPr lang="zh-TW" altLang="en-US"/>
+          </a:p>
+        </p:txBody>
+      </p:sp>
+      <p:sp>
+        <p:nvSpPr>
+          <p:cNvPr id="4" name="日期版面配置區 3"/>
           <p:cNvSpPr>
             <a:spLocks noGrp="1"/>
           </p:cNvSpPr>
@@ -289,15 +305,11 @@
         <p:spPr/>
         <p:txBody>
           <a:bodyPr/>
-          <a:lstStyle>
-            <a:lvl1pPr>
-              <a:defRPr/>
-            </a:lvl1pPr>
-          </a:lstStyle>
+          <a:lstStyle/>
           <a:p>
             <a:fld id="{3E69BCAC-3742-4024-93C9-68F9A18DF23D}" type="datetimeFigureOut">
               <a:rPr lang="zh-TW" altLang="en-US" smtClean="0"/>
-              <a:t>2015/7/17</a:t>
+              <a:t>2020/6/17</a:t>
             </a:fld>
             <a:endParaRPr lang="zh-TW" altLang="en-US"/>
           </a:p>
@@ -305,7 +317,7 @@
       </p:sp>
       <p:sp>
         <p:nvSpPr>
-          <p:cNvPr id="5" name="Footer Placeholder 4"/>
+          <p:cNvPr id="5" name="頁尾版面配置區 4"/>
           <p:cNvSpPr>
             <a:spLocks noGrp="1"/>
           </p:cNvSpPr>
@@ -316,19 +328,15 @@
         <p:spPr/>
         <p:txBody>
           <a:bodyPr/>
-          <a:lstStyle>
-            <a:lvl1pPr>
-              <a:defRPr/>
-            </a:lvl1pPr>
-          </a:lstStyle>
-          <a:p>
-            <a:endParaRPr lang="zh-TW" altLang="en-US"/>
-          </a:p>
-        </p:txBody>
-      </p:sp>
-      <p:sp>
-        <p:nvSpPr>
-          <p:cNvPr id="6" name="Slide Number Placeholder 5"/>
+          <a:lstStyle/>
+          <a:p>
+            <a:endParaRPr lang="zh-TW" altLang="en-US"/>
+          </a:p>
+        </p:txBody>
+      </p:sp>
+      <p:sp>
+        <p:nvSpPr>
+          <p:cNvPr id="6" name="投影片編號版面配置區 5"/>
           <p:cNvSpPr>
             <a:spLocks noGrp="1"/>
           </p:cNvSpPr>
@@ -339,11 +347,7 @@
         <p:spPr/>
         <p:txBody>
           <a:bodyPr/>
-          <a:lstStyle>
-            <a:lvl1pPr>
-              <a:defRPr/>
-            </a:lvl1pPr>
-          </a:lstStyle>
+          <a:lstStyle/>
           <a:p>
             <a:fld id="{9544D08F-CD2E-4E7D-89DA-18321D89F5ED}" type="slidenum">
               <a:rPr lang="zh-TW" altLang="en-US" smtClean="0"/>
@@ -354,6 +358,11 @@
         </p:txBody>
       </p:sp>
     </p:spTree>
+    <p:extLst>
+      <p:ext uri="{BB962C8B-B14F-4D97-AF65-F5344CB8AC3E}">
+        <p14:creationId xmlns:p14="http://schemas.microsoft.com/office/powerpoint/2010/main" val="4051978165"/>
+      </p:ext>
+    </p:extLst>
   </p:cSld>
   <p:clrMapOvr>
     <a:masterClrMapping/>
@@ -380,7 +389,7 @@
       </p:grpSpPr>
       <p:sp>
         <p:nvSpPr>
-          <p:cNvPr id="2" name="Title 1"/>
+          <p:cNvPr id="2" name="標題 1"/>
           <p:cNvSpPr>
             <a:spLocks noGrp="1"/>
           </p:cNvSpPr>
@@ -394,16 +403,16 @@
           <a:lstStyle/>
           <a:p>
             <a:r>
-              <a:rPr lang="zh-TW" altLang="en-US" smtClean="0"/>
-              <a:t>按一下以編輯母片標題樣式</a:t>
-            </a:r>
-            <a:endParaRPr lang="en-US"/>
-          </a:p>
-        </p:txBody>
-      </p:sp>
-      <p:sp>
-        <p:nvSpPr>
-          <p:cNvPr id="3" name="Vertical Text Placeholder 2"/>
+              <a:rPr lang="en-US" altLang="zh-TW" smtClean="0"/>
+              <a:t>Click to edit Master title style</a:t>
+            </a:r>
+            <a:endParaRPr lang="zh-TW" altLang="en-US"/>
+          </a:p>
+        </p:txBody>
+      </p:sp>
+      <p:sp>
+        <p:nvSpPr>
+          <p:cNvPr id="3" name="直排文字版面配置區 2"/>
           <p:cNvSpPr>
             <a:spLocks noGrp="1"/>
           </p:cNvSpPr>
@@ -418,44 +427,44 @@
           <a:p>
             <a:pPr lvl="0"/>
             <a:r>
-              <a:rPr lang="zh-TW" altLang="en-US" smtClean="0"/>
-              <a:t>按一下以編輯母片文字樣式</a:t>
+              <a:rPr lang="en-US" altLang="zh-TW" smtClean="0"/>
+              <a:t>Edit Master text styles</a:t>
             </a:r>
           </a:p>
           <a:p>
             <a:pPr lvl="1"/>
             <a:r>
-              <a:rPr lang="zh-TW" altLang="en-US" smtClean="0"/>
-              <a:t>第二層</a:t>
+              <a:rPr lang="en-US" altLang="zh-TW" smtClean="0"/>
+              <a:t>Second level</a:t>
             </a:r>
           </a:p>
           <a:p>
             <a:pPr lvl="2"/>
             <a:r>
-              <a:rPr lang="zh-TW" altLang="en-US" smtClean="0"/>
-              <a:t>第三層</a:t>
+              <a:rPr lang="en-US" altLang="zh-TW" smtClean="0"/>
+              <a:t>Third level</a:t>
             </a:r>
           </a:p>
           <a:p>
             <a:pPr lvl="3"/>
             <a:r>
-              <a:rPr lang="zh-TW" altLang="en-US" smtClean="0"/>
-              <a:t>第四層</a:t>
+              <a:rPr lang="en-US" altLang="zh-TW" smtClean="0"/>
+              <a:t>Fourth level</a:t>
             </a:r>
           </a:p>
           <a:p>
             <a:pPr lvl="4"/>
             <a:r>
-              <a:rPr lang="zh-TW" altLang="en-US" smtClean="0"/>
-              <a:t>第五層</a:t>
-            </a:r>
-            <a:endParaRPr lang="en-US"/>
-          </a:p>
-        </p:txBody>
-      </p:sp>
-      <p:sp>
-        <p:nvSpPr>
-          <p:cNvPr id="4" name="Date Placeholder 3"/>
+              <a:rPr lang="en-US" altLang="zh-TW" smtClean="0"/>
+              <a:t>Fifth level</a:t>
+            </a:r>
+            <a:endParaRPr lang="zh-TW" altLang="en-US"/>
+          </a:p>
+        </p:txBody>
+      </p:sp>
+      <p:sp>
+        <p:nvSpPr>
+          <p:cNvPr id="4" name="日期版面配置區 3"/>
           <p:cNvSpPr>
             <a:spLocks noGrp="1"/>
           </p:cNvSpPr>
@@ -466,15 +475,11 @@
         <p:spPr/>
         <p:txBody>
           <a:bodyPr/>
-          <a:lstStyle>
-            <a:lvl1pPr>
-              <a:defRPr/>
-            </a:lvl1pPr>
-          </a:lstStyle>
+          <a:lstStyle/>
           <a:p>
             <a:fld id="{3E69BCAC-3742-4024-93C9-68F9A18DF23D}" type="datetimeFigureOut">
               <a:rPr lang="zh-TW" altLang="en-US" smtClean="0"/>
-              <a:t>2015/7/17</a:t>
+              <a:t>2020/6/17</a:t>
             </a:fld>
             <a:endParaRPr lang="zh-TW" altLang="en-US"/>
           </a:p>
@@ -482,7 +487,7 @@
       </p:sp>
       <p:sp>
         <p:nvSpPr>
-          <p:cNvPr id="5" name="Footer Placeholder 4"/>
+          <p:cNvPr id="5" name="頁尾版面配置區 4"/>
           <p:cNvSpPr>
             <a:spLocks noGrp="1"/>
           </p:cNvSpPr>
@@ -493,19 +498,15 @@
         <p:spPr/>
         <p:txBody>
           <a:bodyPr/>
-          <a:lstStyle>
-            <a:lvl1pPr>
-              <a:defRPr/>
-            </a:lvl1pPr>
-          </a:lstStyle>
-          <a:p>
-            <a:endParaRPr lang="zh-TW" altLang="en-US"/>
-          </a:p>
-        </p:txBody>
-      </p:sp>
-      <p:sp>
-        <p:nvSpPr>
-          <p:cNvPr id="6" name="Slide Number Placeholder 5"/>
+          <a:lstStyle/>
+          <a:p>
+            <a:endParaRPr lang="zh-TW" altLang="en-US"/>
+          </a:p>
+        </p:txBody>
+      </p:sp>
+      <p:sp>
+        <p:nvSpPr>
+          <p:cNvPr id="6" name="投影片編號版面配置區 5"/>
           <p:cNvSpPr>
             <a:spLocks noGrp="1"/>
           </p:cNvSpPr>
@@ -516,11 +517,7 @@
         <p:spPr/>
         <p:txBody>
           <a:bodyPr/>
-          <a:lstStyle>
-            <a:lvl1pPr>
-              <a:defRPr/>
-            </a:lvl1pPr>
-          </a:lstStyle>
+          <a:lstStyle/>
           <a:p>
             <a:fld id="{9544D08F-CD2E-4E7D-89DA-18321D89F5ED}" type="slidenum">
               <a:rPr lang="zh-TW" altLang="en-US" smtClean="0"/>
@@ -531,6 +528,11 @@
         </p:txBody>
       </p:sp>
     </p:spTree>
+    <p:extLst>
+      <p:ext uri="{BB962C8B-B14F-4D97-AF65-F5344CB8AC3E}">
+        <p14:creationId xmlns:p14="http://schemas.microsoft.com/office/powerpoint/2010/main" val="3934615066"/>
+      </p:ext>
+    </p:extLst>
   </p:cSld>
   <p:clrMapOvr>
     <a:masterClrMapping/>
@@ -557,7 +559,7 @@
       </p:grpSpPr>
       <p:sp>
         <p:nvSpPr>
-          <p:cNvPr id="2" name="Vertical Title 1"/>
+          <p:cNvPr id="2" name="直排標題 1"/>
           <p:cNvSpPr>
             <a:spLocks noGrp="1"/>
           </p:cNvSpPr>
@@ -567,8 +569,8 @@
         </p:nvSpPr>
         <p:spPr>
           <a:xfrm>
-            <a:off x="6629400" y="274638"/>
-            <a:ext cx="2057400" cy="5851525"/>
+            <a:off x="8839200" y="274639"/>
+            <a:ext cx="2743200" cy="5851525"/>
           </a:xfrm>
         </p:spPr>
         <p:txBody>
@@ -576,16 +578,16 @@
           <a:lstStyle/>
           <a:p>
             <a:r>
-              <a:rPr lang="zh-TW" altLang="en-US" smtClean="0"/>
-              <a:t>按一下以編輯母片標題樣式</a:t>
-            </a:r>
-            <a:endParaRPr lang="en-US"/>
-          </a:p>
-        </p:txBody>
-      </p:sp>
-      <p:sp>
-        <p:nvSpPr>
-          <p:cNvPr id="3" name="Vertical Text Placeholder 2"/>
+              <a:rPr lang="en-US" altLang="zh-TW" smtClean="0"/>
+              <a:t>Click to edit Master title style</a:t>
+            </a:r>
+            <a:endParaRPr lang="zh-TW" altLang="en-US"/>
+          </a:p>
+        </p:txBody>
+      </p:sp>
+      <p:sp>
+        <p:nvSpPr>
+          <p:cNvPr id="3" name="直排文字版面配置區 2"/>
           <p:cNvSpPr>
             <a:spLocks noGrp="1"/>
           </p:cNvSpPr>
@@ -595,8 +597,8 @@
         </p:nvSpPr>
         <p:spPr>
           <a:xfrm>
-            <a:off x="457200" y="274638"/>
-            <a:ext cx="6019800" cy="5851525"/>
+            <a:off x="609600" y="274639"/>
+            <a:ext cx="8026400" cy="5851525"/>
           </a:xfrm>
         </p:spPr>
         <p:txBody>
@@ -605,44 +607,44 @@
           <a:p>
             <a:pPr lvl="0"/>
             <a:r>
-              <a:rPr lang="zh-TW" altLang="en-US" smtClean="0"/>
-              <a:t>按一下以編輯母片文字樣式</a:t>
+              <a:rPr lang="en-US" altLang="zh-TW" smtClean="0"/>
+              <a:t>Edit Master text styles</a:t>
             </a:r>
           </a:p>
           <a:p>
             <a:pPr lvl="1"/>
             <a:r>
-              <a:rPr lang="zh-TW" altLang="en-US" smtClean="0"/>
-              <a:t>第二層</a:t>
+              <a:rPr lang="en-US" altLang="zh-TW" smtClean="0"/>
+              <a:t>Second level</a:t>
             </a:r>
           </a:p>
           <a:p>
             <a:pPr lvl="2"/>
             <a:r>
-              <a:rPr lang="zh-TW" altLang="en-US" smtClean="0"/>
-              <a:t>第三層</a:t>
+              <a:rPr lang="en-US" altLang="zh-TW" smtClean="0"/>
+              <a:t>Third level</a:t>
             </a:r>
           </a:p>
           <a:p>
             <a:pPr lvl="3"/>
             <a:r>
-              <a:rPr lang="zh-TW" altLang="en-US" smtClean="0"/>
-              <a:t>第四層</a:t>
+              <a:rPr lang="en-US" altLang="zh-TW" smtClean="0"/>
+              <a:t>Fourth level</a:t>
             </a:r>
           </a:p>
           <a:p>
             <a:pPr lvl="4"/>
             <a:r>
-              <a:rPr lang="zh-TW" altLang="en-US" smtClean="0"/>
-              <a:t>第五層</a:t>
-            </a:r>
-            <a:endParaRPr lang="en-US"/>
-          </a:p>
-        </p:txBody>
-      </p:sp>
-      <p:sp>
-        <p:nvSpPr>
-          <p:cNvPr id="4" name="Date Placeholder 3"/>
+              <a:rPr lang="en-US" altLang="zh-TW" smtClean="0"/>
+              <a:t>Fifth level</a:t>
+            </a:r>
+            <a:endParaRPr lang="zh-TW" altLang="en-US"/>
+          </a:p>
+        </p:txBody>
+      </p:sp>
+      <p:sp>
+        <p:nvSpPr>
+          <p:cNvPr id="4" name="日期版面配置區 3"/>
           <p:cNvSpPr>
             <a:spLocks noGrp="1"/>
           </p:cNvSpPr>
@@ -653,15 +655,11 @@
         <p:spPr/>
         <p:txBody>
           <a:bodyPr/>
-          <a:lstStyle>
-            <a:lvl1pPr>
-              <a:defRPr/>
-            </a:lvl1pPr>
-          </a:lstStyle>
+          <a:lstStyle/>
           <a:p>
             <a:fld id="{3E69BCAC-3742-4024-93C9-68F9A18DF23D}" type="datetimeFigureOut">
               <a:rPr lang="zh-TW" altLang="en-US" smtClean="0"/>
-              <a:t>2015/7/17</a:t>
+              <a:t>2020/6/17</a:t>
             </a:fld>
             <a:endParaRPr lang="zh-TW" altLang="en-US"/>
           </a:p>
@@ -669,7 +667,7 @@
       </p:sp>
       <p:sp>
         <p:nvSpPr>
-          <p:cNvPr id="5" name="Footer Placeholder 4"/>
+          <p:cNvPr id="5" name="頁尾版面配置區 4"/>
           <p:cNvSpPr>
             <a:spLocks noGrp="1"/>
           </p:cNvSpPr>
@@ -680,19 +678,15 @@
         <p:spPr/>
         <p:txBody>
           <a:bodyPr/>
-          <a:lstStyle>
-            <a:lvl1pPr>
-              <a:defRPr/>
-            </a:lvl1pPr>
-          </a:lstStyle>
-          <a:p>
-            <a:endParaRPr lang="zh-TW" altLang="en-US"/>
-          </a:p>
-        </p:txBody>
-      </p:sp>
-      <p:sp>
-        <p:nvSpPr>
-          <p:cNvPr id="6" name="Slide Number Placeholder 5"/>
+          <a:lstStyle/>
+          <a:p>
+            <a:endParaRPr lang="zh-TW" altLang="en-US"/>
+          </a:p>
+        </p:txBody>
+      </p:sp>
+      <p:sp>
+        <p:nvSpPr>
+          <p:cNvPr id="6" name="投影片編號版面配置區 5"/>
           <p:cNvSpPr>
             <a:spLocks noGrp="1"/>
           </p:cNvSpPr>
@@ -703,11 +697,7 @@
         <p:spPr/>
         <p:txBody>
           <a:bodyPr/>
-          <a:lstStyle>
-            <a:lvl1pPr>
-              <a:defRPr/>
-            </a:lvl1pPr>
-          </a:lstStyle>
+          <a:lstStyle/>
           <a:p>
             <a:fld id="{9544D08F-CD2E-4E7D-89DA-18321D89F5ED}" type="slidenum">
               <a:rPr lang="zh-TW" altLang="en-US" smtClean="0"/>
@@ -718,6 +708,11 @@
         </p:txBody>
       </p:sp>
     </p:spTree>
+    <p:extLst>
+      <p:ext uri="{BB962C8B-B14F-4D97-AF65-F5344CB8AC3E}">
+        <p14:creationId xmlns:p14="http://schemas.microsoft.com/office/powerpoint/2010/main" val="1752913977"/>
+      </p:ext>
+    </p:extLst>
   </p:cSld>
   <p:clrMapOvr>
     <a:masterClrMapping/>
@@ -744,7 +739,7 @@
       </p:grpSpPr>
       <p:sp>
         <p:nvSpPr>
-          <p:cNvPr id="2" name="Title 1"/>
+          <p:cNvPr id="2" name="標題 1"/>
           <p:cNvSpPr>
             <a:spLocks noGrp="1"/>
           </p:cNvSpPr>
@@ -758,16 +753,16 @@
           <a:lstStyle/>
           <a:p>
             <a:r>
-              <a:rPr lang="zh-TW" altLang="en-US" smtClean="0"/>
-              <a:t>按一下以編輯母片標題樣式</a:t>
-            </a:r>
-            <a:endParaRPr lang="en-US"/>
-          </a:p>
-        </p:txBody>
-      </p:sp>
-      <p:sp>
-        <p:nvSpPr>
-          <p:cNvPr id="3" name="Content Placeholder 2"/>
+              <a:rPr lang="en-US" altLang="zh-TW" smtClean="0"/>
+              <a:t>Click to edit Master title style</a:t>
+            </a:r>
+            <a:endParaRPr lang="zh-TW" altLang="en-US"/>
+          </a:p>
+        </p:txBody>
+      </p:sp>
+      <p:sp>
+        <p:nvSpPr>
+          <p:cNvPr id="3" name="內容版面配置區 2"/>
           <p:cNvSpPr>
             <a:spLocks noGrp="1"/>
           </p:cNvSpPr>
@@ -782,44 +777,44 @@
           <a:p>
             <a:pPr lvl="0"/>
             <a:r>
-              <a:rPr lang="zh-TW" altLang="en-US" smtClean="0"/>
-              <a:t>按一下以編輯母片文字樣式</a:t>
+              <a:rPr lang="en-US" altLang="zh-TW" smtClean="0"/>
+              <a:t>Edit Master text styles</a:t>
             </a:r>
           </a:p>
           <a:p>
             <a:pPr lvl="1"/>
             <a:r>
-              <a:rPr lang="zh-TW" altLang="en-US" smtClean="0"/>
-              <a:t>第二層</a:t>
+              <a:rPr lang="en-US" altLang="zh-TW" smtClean="0"/>
+              <a:t>Second level</a:t>
             </a:r>
           </a:p>
           <a:p>
             <a:pPr lvl="2"/>
             <a:r>
-              <a:rPr lang="zh-TW" altLang="en-US" smtClean="0"/>
-              <a:t>第三層</a:t>
+              <a:rPr lang="en-US" altLang="zh-TW" smtClean="0"/>
+              <a:t>Third level</a:t>
             </a:r>
           </a:p>
           <a:p>
             <a:pPr lvl="3"/>
             <a:r>
-              <a:rPr lang="zh-TW" altLang="en-US" smtClean="0"/>
-              <a:t>第四層</a:t>
+              <a:rPr lang="en-US" altLang="zh-TW" smtClean="0"/>
+              <a:t>Fourth level</a:t>
             </a:r>
           </a:p>
           <a:p>
             <a:pPr lvl="4"/>
             <a:r>
-              <a:rPr lang="zh-TW" altLang="en-US" smtClean="0"/>
-              <a:t>第五層</a:t>
-            </a:r>
-            <a:endParaRPr lang="en-US"/>
-          </a:p>
-        </p:txBody>
-      </p:sp>
-      <p:sp>
-        <p:nvSpPr>
-          <p:cNvPr id="4" name="Date Placeholder 3"/>
+              <a:rPr lang="en-US" altLang="zh-TW" smtClean="0"/>
+              <a:t>Fifth level</a:t>
+            </a:r>
+            <a:endParaRPr lang="zh-TW" altLang="en-US"/>
+          </a:p>
+        </p:txBody>
+      </p:sp>
+      <p:sp>
+        <p:nvSpPr>
+          <p:cNvPr id="4" name="日期版面配置區 3"/>
           <p:cNvSpPr>
             <a:spLocks noGrp="1"/>
           </p:cNvSpPr>
@@ -830,15 +825,11 @@
         <p:spPr/>
         <p:txBody>
           <a:bodyPr/>
-          <a:lstStyle>
-            <a:lvl1pPr>
-              <a:defRPr/>
-            </a:lvl1pPr>
-          </a:lstStyle>
+          <a:lstStyle/>
           <a:p>
             <a:fld id="{3E69BCAC-3742-4024-93C9-68F9A18DF23D}" type="datetimeFigureOut">
               <a:rPr lang="zh-TW" altLang="en-US" smtClean="0"/>
-              <a:t>2015/7/17</a:t>
+              <a:t>2020/6/17</a:t>
             </a:fld>
             <a:endParaRPr lang="zh-TW" altLang="en-US"/>
           </a:p>
@@ -846,7 +837,7 @@
       </p:sp>
       <p:sp>
         <p:nvSpPr>
-          <p:cNvPr id="5" name="Footer Placeholder 4"/>
+          <p:cNvPr id="5" name="頁尾版面配置區 4"/>
           <p:cNvSpPr>
             <a:spLocks noGrp="1"/>
           </p:cNvSpPr>
@@ -857,19 +848,15 @@
         <p:spPr/>
         <p:txBody>
           <a:bodyPr/>
-          <a:lstStyle>
-            <a:lvl1pPr>
-              <a:defRPr/>
-            </a:lvl1pPr>
-          </a:lstStyle>
-          <a:p>
-            <a:endParaRPr lang="zh-TW" altLang="en-US"/>
-          </a:p>
-        </p:txBody>
-      </p:sp>
-      <p:sp>
-        <p:nvSpPr>
-          <p:cNvPr id="6" name="Slide Number Placeholder 5"/>
+          <a:lstStyle/>
+          <a:p>
+            <a:endParaRPr lang="zh-TW" altLang="en-US"/>
+          </a:p>
+        </p:txBody>
+      </p:sp>
+      <p:sp>
+        <p:nvSpPr>
+          <p:cNvPr id="6" name="投影片編號版面配置區 5"/>
           <p:cNvSpPr>
             <a:spLocks noGrp="1"/>
           </p:cNvSpPr>
@@ -880,11 +867,7 @@
         <p:spPr/>
         <p:txBody>
           <a:bodyPr/>
-          <a:lstStyle>
-            <a:lvl1pPr>
-              <a:defRPr/>
-            </a:lvl1pPr>
-          </a:lstStyle>
+          <a:lstStyle/>
           <a:p>
             <a:fld id="{9544D08F-CD2E-4E7D-89DA-18321D89F5ED}" type="slidenum">
               <a:rPr lang="zh-TW" altLang="en-US" smtClean="0"/>
@@ -895,6 +878,11 @@
         </p:txBody>
       </p:sp>
     </p:spTree>
+    <p:extLst>
+      <p:ext uri="{BB962C8B-B14F-4D97-AF65-F5344CB8AC3E}">
+        <p14:creationId xmlns:p14="http://schemas.microsoft.com/office/powerpoint/2010/main" val="1076428703"/>
+      </p:ext>
+    </p:extLst>
   </p:cSld>
   <p:clrMapOvr>
     <a:masterClrMapping/>
@@ -921,7 +909,7 @@
       </p:grpSpPr>
       <p:sp>
         <p:nvSpPr>
-          <p:cNvPr id="2" name="Title 1"/>
+          <p:cNvPr id="2" name="標題 1"/>
           <p:cNvSpPr>
             <a:spLocks noGrp="1"/>
           </p:cNvSpPr>
@@ -931,29 +919,29 @@
         </p:nvSpPr>
         <p:spPr>
           <a:xfrm>
-            <a:off x="722313" y="4406900"/>
-            <a:ext cx="7772400" cy="1362075"/>
+            <a:off x="963084" y="4406901"/>
+            <a:ext cx="10363200" cy="1362075"/>
           </a:xfrm>
         </p:spPr>
         <p:txBody>
           <a:bodyPr anchor="t"/>
           <a:lstStyle>
             <a:lvl1pPr algn="l">
-              <a:defRPr sz="4000" b="1" cap="all"/>
+              <a:defRPr sz="5333" b="1" cap="all"/>
             </a:lvl1pPr>
           </a:lstStyle>
           <a:p>
             <a:r>
-              <a:rPr lang="zh-TW" altLang="en-US" smtClean="0"/>
-              <a:t>按一下以編輯母片標題樣式</a:t>
-            </a:r>
-            <a:endParaRPr lang="en-US"/>
-          </a:p>
-        </p:txBody>
-      </p:sp>
-      <p:sp>
-        <p:nvSpPr>
-          <p:cNvPr id="3" name="Text Placeholder 2"/>
+              <a:rPr lang="en-US" altLang="zh-TW" smtClean="0"/>
+              <a:t>Click to edit Master title style</a:t>
+            </a:r>
+            <a:endParaRPr lang="zh-TW" altLang="en-US"/>
+          </a:p>
+        </p:txBody>
+      </p:sp>
+      <p:sp>
+        <p:nvSpPr>
+          <p:cNvPr id="3" name="文字版面配置區 2"/>
           <p:cNvSpPr>
             <a:spLocks noGrp="1"/>
           </p:cNvSpPr>
@@ -963,8 +951,8 @@
         </p:nvSpPr>
         <p:spPr>
           <a:xfrm>
-            <a:off x="722313" y="2906713"/>
-            <a:ext cx="7772400" cy="1500187"/>
+            <a:off x="963084" y="2906713"/>
+            <a:ext cx="10363200" cy="1500187"/>
           </a:xfrm>
         </p:spPr>
         <p:txBody>
@@ -972,7 +960,7 @@
           <a:lstStyle>
             <a:lvl1pPr marL="0" indent="0">
               <a:buNone/>
-              <a:defRPr sz="2000">
+              <a:defRPr sz="2667">
                 <a:solidFill>
                   <a:schemeClr val="tx1">
                     <a:tint val="75000"/>
@@ -980,9 +968,9 @@
                 </a:solidFill>
               </a:defRPr>
             </a:lvl1pPr>
-            <a:lvl2pPr marL="457200" indent="0">
-              <a:buNone/>
-              <a:defRPr sz="1800">
+            <a:lvl2pPr marL="609585" indent="0">
+              <a:buNone/>
+              <a:defRPr sz="2400">
                 <a:solidFill>
                   <a:schemeClr val="tx1">
                     <a:tint val="75000"/>
@@ -990,9 +978,9 @@
                 </a:solidFill>
               </a:defRPr>
             </a:lvl2pPr>
-            <a:lvl3pPr marL="914400" indent="0">
-              <a:buNone/>
-              <a:defRPr sz="1600">
+            <a:lvl3pPr marL="1219170" indent="0">
+              <a:buNone/>
+              <a:defRPr sz="2133">
                 <a:solidFill>
                   <a:schemeClr val="tx1">
                     <a:tint val="75000"/>
@@ -1000,9 +988,9 @@
                 </a:solidFill>
               </a:defRPr>
             </a:lvl3pPr>
-            <a:lvl4pPr marL="1371600" indent="0">
-              <a:buNone/>
-              <a:defRPr sz="1400">
+            <a:lvl4pPr marL="1828754" indent="0">
+              <a:buNone/>
+              <a:defRPr sz="1867">
                 <a:solidFill>
                   <a:schemeClr val="tx1">
                     <a:tint val="75000"/>
@@ -1010,9 +998,9 @@
                 </a:solidFill>
               </a:defRPr>
             </a:lvl4pPr>
-            <a:lvl5pPr marL="1828800" indent="0">
-              <a:buNone/>
-              <a:defRPr sz="1400">
+            <a:lvl5pPr marL="2438339" indent="0">
+              <a:buNone/>
+              <a:defRPr sz="1867">
                 <a:solidFill>
                   <a:schemeClr val="tx1">
                     <a:tint val="75000"/>
@@ -1020,9 +1008,9 @@
                 </a:solidFill>
               </a:defRPr>
             </a:lvl5pPr>
-            <a:lvl6pPr marL="2286000" indent="0">
-              <a:buNone/>
-              <a:defRPr sz="1400">
+            <a:lvl6pPr marL="3047924" indent="0">
+              <a:buNone/>
+              <a:defRPr sz="1867">
                 <a:solidFill>
                   <a:schemeClr val="tx1">
                     <a:tint val="75000"/>
@@ -1030,9 +1018,9 @@
                 </a:solidFill>
               </a:defRPr>
             </a:lvl6pPr>
-            <a:lvl7pPr marL="2743200" indent="0">
-              <a:buNone/>
-              <a:defRPr sz="1400">
+            <a:lvl7pPr marL="3657509" indent="0">
+              <a:buNone/>
+              <a:defRPr sz="1867">
                 <a:solidFill>
                   <a:schemeClr val="tx1">
                     <a:tint val="75000"/>
@@ -1040,9 +1028,9 @@
                 </a:solidFill>
               </a:defRPr>
             </a:lvl7pPr>
-            <a:lvl8pPr marL="3200400" indent="0">
-              <a:buNone/>
-              <a:defRPr sz="1400">
+            <a:lvl8pPr marL="4267093" indent="0">
+              <a:buNone/>
+              <a:defRPr sz="1867">
                 <a:solidFill>
                   <a:schemeClr val="tx1">
                     <a:tint val="75000"/>
@@ -1050,9 +1038,9 @@
                 </a:solidFill>
               </a:defRPr>
             </a:lvl8pPr>
-            <a:lvl9pPr marL="3657600" indent="0">
-              <a:buNone/>
-              <a:defRPr sz="1400">
+            <a:lvl9pPr marL="4876678" indent="0">
+              <a:buNone/>
+              <a:defRPr sz="1867">
                 <a:solidFill>
                   <a:schemeClr val="tx1">
                     <a:tint val="75000"/>
@@ -1064,15 +1052,15 @@
           <a:p>
             <a:pPr lvl="0"/>
             <a:r>
-              <a:rPr lang="zh-TW" altLang="en-US" smtClean="0"/>
-              <a:t>按一下以編輯母片文字樣式</a:t>
-            </a:r>
-          </a:p>
-        </p:txBody>
-      </p:sp>
-      <p:sp>
-        <p:nvSpPr>
-          <p:cNvPr id="4" name="Date Placeholder 3"/>
+              <a:rPr lang="en-US" altLang="zh-TW" smtClean="0"/>
+              <a:t>Edit Master text styles</a:t>
+            </a:r>
+          </a:p>
+        </p:txBody>
+      </p:sp>
+      <p:sp>
+        <p:nvSpPr>
+          <p:cNvPr id="4" name="日期版面配置區 3"/>
           <p:cNvSpPr>
             <a:spLocks noGrp="1"/>
           </p:cNvSpPr>
@@ -1083,15 +1071,11 @@
         <p:spPr/>
         <p:txBody>
           <a:bodyPr/>
-          <a:lstStyle>
-            <a:lvl1pPr>
-              <a:defRPr/>
-            </a:lvl1pPr>
-          </a:lstStyle>
+          <a:lstStyle/>
           <a:p>
             <a:fld id="{3E69BCAC-3742-4024-93C9-68F9A18DF23D}" type="datetimeFigureOut">
               <a:rPr lang="zh-TW" altLang="en-US" smtClean="0"/>
-              <a:t>2015/7/17</a:t>
+              <a:t>2020/6/17</a:t>
             </a:fld>
             <a:endParaRPr lang="zh-TW" altLang="en-US"/>
           </a:p>
@@ -1099,7 +1083,7 @@
       </p:sp>
       <p:sp>
         <p:nvSpPr>
-          <p:cNvPr id="5" name="Footer Placeholder 4"/>
+          <p:cNvPr id="5" name="頁尾版面配置區 4"/>
           <p:cNvSpPr>
             <a:spLocks noGrp="1"/>
           </p:cNvSpPr>
@@ -1110,19 +1094,15 @@
         <p:spPr/>
         <p:txBody>
           <a:bodyPr/>
-          <a:lstStyle>
-            <a:lvl1pPr>
-              <a:defRPr/>
-            </a:lvl1pPr>
-          </a:lstStyle>
-          <a:p>
-            <a:endParaRPr lang="zh-TW" altLang="en-US"/>
-          </a:p>
-        </p:txBody>
-      </p:sp>
-      <p:sp>
-        <p:nvSpPr>
-          <p:cNvPr id="6" name="Slide Number Placeholder 5"/>
+          <a:lstStyle/>
+          <a:p>
+            <a:endParaRPr lang="zh-TW" altLang="en-US"/>
+          </a:p>
+        </p:txBody>
+      </p:sp>
+      <p:sp>
+        <p:nvSpPr>
+          <p:cNvPr id="6" name="投影片編號版面配置區 5"/>
           <p:cNvSpPr>
             <a:spLocks noGrp="1"/>
           </p:cNvSpPr>
@@ -1133,11 +1113,7 @@
         <p:spPr/>
         <p:txBody>
           <a:bodyPr/>
-          <a:lstStyle>
-            <a:lvl1pPr>
-              <a:defRPr/>
-            </a:lvl1pPr>
-          </a:lstStyle>
+          <a:lstStyle/>
           <a:p>
             <a:fld id="{9544D08F-CD2E-4E7D-89DA-18321D89F5ED}" type="slidenum">
               <a:rPr lang="zh-TW" altLang="en-US" smtClean="0"/>
@@ -1148,6 +1124,11 @@
         </p:txBody>
       </p:sp>
     </p:spTree>
+    <p:extLst>
+      <p:ext uri="{BB962C8B-B14F-4D97-AF65-F5344CB8AC3E}">
+        <p14:creationId xmlns:p14="http://schemas.microsoft.com/office/powerpoint/2010/main" val="1498268267"/>
+      </p:ext>
+    </p:extLst>
   </p:cSld>
   <p:clrMapOvr>
     <a:masterClrMapping/>
@@ -1174,7 +1155,7 @@
       </p:grpSpPr>
       <p:sp>
         <p:nvSpPr>
-          <p:cNvPr id="2" name="Title 1"/>
+          <p:cNvPr id="2" name="標題 1"/>
           <p:cNvSpPr>
             <a:spLocks noGrp="1"/>
           </p:cNvSpPr>
@@ -1188,16 +1169,16 @@
           <a:lstStyle/>
           <a:p>
             <a:r>
-              <a:rPr lang="zh-TW" altLang="en-US" smtClean="0"/>
-              <a:t>按一下以編輯母片標題樣式</a:t>
-            </a:r>
-            <a:endParaRPr lang="en-US"/>
-          </a:p>
-        </p:txBody>
-      </p:sp>
-      <p:sp>
-        <p:nvSpPr>
-          <p:cNvPr id="3" name="Content Placeholder 2"/>
+              <a:rPr lang="en-US" altLang="zh-TW" smtClean="0"/>
+              <a:t>Click to edit Master title style</a:t>
+            </a:r>
+            <a:endParaRPr lang="zh-TW" altLang="en-US"/>
+          </a:p>
+        </p:txBody>
+      </p:sp>
+      <p:sp>
+        <p:nvSpPr>
+          <p:cNvPr id="3" name="內容版面配置區 2"/>
           <p:cNvSpPr>
             <a:spLocks noGrp="1"/>
           </p:cNvSpPr>
@@ -1207,82 +1188,82 @@
         </p:nvSpPr>
         <p:spPr>
           <a:xfrm>
-            <a:off x="457200" y="1600200"/>
-            <a:ext cx="4038600" cy="4525963"/>
+            <a:off x="609600" y="1600201"/>
+            <a:ext cx="5384800" cy="4525963"/>
           </a:xfrm>
         </p:spPr>
         <p:txBody>
           <a:bodyPr/>
           <a:lstStyle>
             <a:lvl1pPr>
-              <a:defRPr sz="2800"/>
+              <a:defRPr sz="3733"/>
             </a:lvl1pPr>
             <a:lvl2pPr>
-              <a:defRPr sz="2400"/>
+              <a:defRPr sz="3200"/>
             </a:lvl2pPr>
             <a:lvl3pPr>
-              <a:defRPr sz="2000"/>
+              <a:defRPr sz="2667"/>
             </a:lvl3pPr>
             <a:lvl4pPr>
-              <a:defRPr sz="1800"/>
+              <a:defRPr sz="2400"/>
             </a:lvl4pPr>
             <a:lvl5pPr>
-              <a:defRPr sz="1800"/>
+              <a:defRPr sz="2400"/>
             </a:lvl5pPr>
             <a:lvl6pPr>
-              <a:defRPr sz="1800"/>
+              <a:defRPr sz="2400"/>
             </a:lvl6pPr>
             <a:lvl7pPr>
-              <a:defRPr sz="1800"/>
+              <a:defRPr sz="2400"/>
             </a:lvl7pPr>
             <a:lvl8pPr>
-              <a:defRPr sz="1800"/>
+              <a:defRPr sz="2400"/>
             </a:lvl8pPr>
             <a:lvl9pPr>
-              <a:defRPr sz="1800"/>
+              <a:defRPr sz="2400"/>
             </a:lvl9pPr>
           </a:lstStyle>
           <a:p>
             <a:pPr lvl="0"/>
             <a:r>
-              <a:rPr lang="zh-TW" altLang="en-US" smtClean="0"/>
-              <a:t>按一下以編輯母片文字樣式</a:t>
+              <a:rPr lang="en-US" altLang="zh-TW" smtClean="0"/>
+              <a:t>Edit Master text styles</a:t>
             </a:r>
           </a:p>
           <a:p>
             <a:pPr lvl="1"/>
             <a:r>
-              <a:rPr lang="zh-TW" altLang="en-US" smtClean="0"/>
-              <a:t>第二層</a:t>
+              <a:rPr lang="en-US" altLang="zh-TW" smtClean="0"/>
+              <a:t>Second level</a:t>
             </a:r>
           </a:p>
           <a:p>
             <a:pPr lvl="2"/>
             <a:r>
-              <a:rPr lang="zh-TW" altLang="en-US" smtClean="0"/>
-              <a:t>第三層</a:t>
+              <a:rPr lang="en-US" altLang="zh-TW" smtClean="0"/>
+              <a:t>Third level</a:t>
             </a:r>
           </a:p>
           <a:p>
             <a:pPr lvl="3"/>
             <a:r>
-              <a:rPr lang="zh-TW" altLang="en-US" smtClean="0"/>
-              <a:t>第四層</a:t>
+              <a:rPr lang="en-US" altLang="zh-TW" smtClean="0"/>
+              <a:t>Fourth level</a:t>
             </a:r>
           </a:p>
           <a:p>
             <a:pPr lvl="4"/>
             <a:r>
-              <a:rPr lang="zh-TW" altLang="en-US" smtClean="0"/>
-              <a:t>第五層</a:t>
-            </a:r>
-            <a:endParaRPr lang="en-US"/>
-          </a:p>
-        </p:txBody>
-      </p:sp>
-      <p:sp>
-        <p:nvSpPr>
-          <p:cNvPr id="4" name="Content Placeholder 3"/>
+              <a:rPr lang="en-US" altLang="zh-TW" smtClean="0"/>
+              <a:t>Fifth level</a:t>
+            </a:r>
+            <a:endParaRPr lang="zh-TW" altLang="en-US"/>
+          </a:p>
+        </p:txBody>
+      </p:sp>
+      <p:sp>
+        <p:nvSpPr>
+          <p:cNvPr id="4" name="內容版面配置區 3"/>
           <p:cNvSpPr>
             <a:spLocks noGrp="1"/>
           </p:cNvSpPr>
@@ -1292,82 +1273,82 @@
         </p:nvSpPr>
         <p:spPr>
           <a:xfrm>
-            <a:off x="4648200" y="1600200"/>
-            <a:ext cx="4038600" cy="4525963"/>
+            <a:off x="6197600" y="1600201"/>
+            <a:ext cx="5384800" cy="4525963"/>
           </a:xfrm>
         </p:spPr>
         <p:txBody>
           <a:bodyPr/>
           <a:lstStyle>
             <a:lvl1pPr>
-              <a:defRPr sz="2800"/>
+              <a:defRPr sz="3733"/>
             </a:lvl1pPr>
             <a:lvl2pPr>
-              <a:defRPr sz="2400"/>
+              <a:defRPr sz="3200"/>
             </a:lvl2pPr>
             <a:lvl3pPr>
-              <a:defRPr sz="2000"/>
+              <a:defRPr sz="2667"/>
             </a:lvl3pPr>
             <a:lvl4pPr>
-              <a:defRPr sz="1800"/>
+              <a:defRPr sz="2400"/>
             </a:lvl4pPr>
             <a:lvl5pPr>
-              <a:defRPr sz="1800"/>
+              <a:defRPr sz="2400"/>
             </a:lvl5pPr>
             <a:lvl6pPr>
-              <a:defRPr sz="1800"/>
+              <a:defRPr sz="2400"/>
             </a:lvl6pPr>
             <a:lvl7pPr>
-              <a:defRPr sz="1800"/>
+              <a:defRPr sz="2400"/>
             </a:lvl7pPr>
             <a:lvl8pPr>
-              <a:defRPr sz="1800"/>
+              <a:defRPr sz="2400"/>
             </a:lvl8pPr>
             <a:lvl9pPr>
-              <a:defRPr sz="1800"/>
+              <a:defRPr sz="2400"/>
             </a:lvl9pPr>
           </a:lstStyle>
           <a:p>
             <a:pPr lvl="0"/>
             <a:r>
-              <a:rPr lang="zh-TW" altLang="en-US" smtClean="0"/>
-              <a:t>按一下以編輯母片文字樣式</a:t>
+              <a:rPr lang="en-US" altLang="zh-TW" smtClean="0"/>
+              <a:t>Edit Master text styles</a:t>
             </a:r>
           </a:p>
           <a:p>
             <a:pPr lvl="1"/>
             <a:r>
-              <a:rPr lang="zh-TW" altLang="en-US" smtClean="0"/>
-              <a:t>第二層</a:t>
+              <a:rPr lang="en-US" altLang="zh-TW" smtClean="0"/>
+              <a:t>Second level</a:t>
             </a:r>
           </a:p>
           <a:p>
             <a:pPr lvl="2"/>
             <a:r>
-              <a:rPr lang="zh-TW" altLang="en-US" smtClean="0"/>
-              <a:t>第三層</a:t>
+              <a:rPr lang="en-US" altLang="zh-TW" smtClean="0"/>
+              <a:t>Third level</a:t>
             </a:r>
           </a:p>
           <a:p>
             <a:pPr lvl="3"/>
             <a:r>
-              <a:rPr lang="zh-TW" altLang="en-US" smtClean="0"/>
-              <a:t>第四層</a:t>
+              <a:rPr lang="en-US" altLang="zh-TW" smtClean="0"/>
+              <a:t>Fourth level</a:t>
             </a:r>
           </a:p>
           <a:p>
             <a:pPr lvl="4"/>
             <a:r>
-              <a:rPr lang="zh-TW" altLang="en-US" smtClean="0"/>
-              <a:t>第五層</a:t>
-            </a:r>
-            <a:endParaRPr lang="en-US"/>
-          </a:p>
-        </p:txBody>
-      </p:sp>
-      <p:sp>
-        <p:nvSpPr>
-          <p:cNvPr id="5" name="Date Placeholder 3"/>
+              <a:rPr lang="en-US" altLang="zh-TW" smtClean="0"/>
+              <a:t>Fifth level</a:t>
+            </a:r>
+            <a:endParaRPr lang="zh-TW" altLang="en-US"/>
+          </a:p>
+        </p:txBody>
+      </p:sp>
+      <p:sp>
+        <p:nvSpPr>
+          <p:cNvPr id="5" name="日期版面配置區 4"/>
           <p:cNvSpPr>
             <a:spLocks noGrp="1"/>
           </p:cNvSpPr>
@@ -1378,15 +1359,11 @@
         <p:spPr/>
         <p:txBody>
           <a:bodyPr/>
-          <a:lstStyle>
-            <a:lvl1pPr>
-              <a:defRPr/>
-            </a:lvl1pPr>
-          </a:lstStyle>
+          <a:lstStyle/>
           <a:p>
             <a:fld id="{3E69BCAC-3742-4024-93C9-68F9A18DF23D}" type="datetimeFigureOut">
               <a:rPr lang="zh-TW" altLang="en-US" smtClean="0"/>
-              <a:t>2015/7/17</a:t>
+              <a:t>2020/6/17</a:t>
             </a:fld>
             <a:endParaRPr lang="zh-TW" altLang="en-US"/>
           </a:p>
@@ -1394,7 +1371,7 @@
       </p:sp>
       <p:sp>
         <p:nvSpPr>
-          <p:cNvPr id="6" name="Footer Placeholder 4"/>
+          <p:cNvPr id="6" name="頁尾版面配置區 5"/>
           <p:cNvSpPr>
             <a:spLocks noGrp="1"/>
           </p:cNvSpPr>
@@ -1405,19 +1382,15 @@
         <p:spPr/>
         <p:txBody>
           <a:bodyPr/>
-          <a:lstStyle>
-            <a:lvl1pPr>
-              <a:defRPr/>
-            </a:lvl1pPr>
-          </a:lstStyle>
-          <a:p>
-            <a:endParaRPr lang="zh-TW" altLang="en-US"/>
-          </a:p>
-        </p:txBody>
-      </p:sp>
-      <p:sp>
-        <p:nvSpPr>
-          <p:cNvPr id="7" name="Slide Number Placeholder 5"/>
+          <a:lstStyle/>
+          <a:p>
+            <a:endParaRPr lang="zh-TW" altLang="en-US"/>
+          </a:p>
+        </p:txBody>
+      </p:sp>
+      <p:sp>
+        <p:nvSpPr>
+          <p:cNvPr id="7" name="投影片編號版面配置區 6"/>
           <p:cNvSpPr>
             <a:spLocks noGrp="1"/>
           </p:cNvSpPr>
@@ -1428,11 +1401,7 @@
         <p:spPr/>
         <p:txBody>
           <a:bodyPr/>
-          <a:lstStyle>
-            <a:lvl1pPr>
-              <a:defRPr/>
-            </a:lvl1pPr>
-          </a:lstStyle>
+          <a:lstStyle/>
           <a:p>
             <a:fld id="{9544D08F-CD2E-4E7D-89DA-18321D89F5ED}" type="slidenum">
               <a:rPr lang="zh-TW" altLang="en-US" smtClean="0"/>
@@ -1443,6 +1412,11 @@
         </p:txBody>
       </p:sp>
     </p:spTree>
+    <p:extLst>
+      <p:ext uri="{BB962C8B-B14F-4D97-AF65-F5344CB8AC3E}">
+        <p14:creationId xmlns:p14="http://schemas.microsoft.com/office/powerpoint/2010/main" val="3528683019"/>
+      </p:ext>
+    </p:extLst>
   </p:cSld>
   <p:clrMapOvr>
     <a:masterClrMapping/>
@@ -1469,7 +1443,7 @@
       </p:grpSpPr>
       <p:sp>
         <p:nvSpPr>
-          <p:cNvPr id="2" name="Title 1"/>
+          <p:cNvPr id="2" name="標題 1"/>
           <p:cNvSpPr>
             <a:spLocks noGrp="1"/>
           </p:cNvSpPr>
@@ -1487,16 +1461,16 @@
           </a:lstStyle>
           <a:p>
             <a:r>
-              <a:rPr lang="zh-TW" altLang="en-US" smtClean="0"/>
-              <a:t>按一下以編輯母片標題樣式</a:t>
-            </a:r>
-            <a:endParaRPr lang="en-US"/>
-          </a:p>
-        </p:txBody>
-      </p:sp>
-      <p:sp>
-        <p:nvSpPr>
-          <p:cNvPr id="3" name="Text Placeholder 2"/>
+              <a:rPr lang="en-US" altLang="zh-TW" smtClean="0"/>
+              <a:t>Click to edit Master title style</a:t>
+            </a:r>
+            <a:endParaRPr lang="zh-TW" altLang="en-US"/>
+          </a:p>
+        </p:txBody>
+      </p:sp>
+      <p:sp>
+        <p:nvSpPr>
+          <p:cNvPr id="3" name="文字版面配置區 2"/>
           <p:cNvSpPr>
             <a:spLocks noGrp="1"/>
           </p:cNvSpPr>
@@ -1506,8 +1480,8 @@
         </p:nvSpPr>
         <p:spPr>
           <a:xfrm>
-            <a:off x="457200" y="1535113"/>
-            <a:ext cx="4040188" cy="639762"/>
+            <a:off x="609600" y="1535113"/>
+            <a:ext cx="5386917" cy="639763"/>
           </a:xfrm>
         </p:spPr>
         <p:txBody>
@@ -1515,53 +1489,53 @@
           <a:lstStyle>
             <a:lvl1pPr marL="0" indent="0">
               <a:buNone/>
+              <a:defRPr sz="3200" b="1"/>
+            </a:lvl1pPr>
+            <a:lvl2pPr marL="609585" indent="0">
+              <a:buNone/>
+              <a:defRPr sz="2667" b="1"/>
+            </a:lvl2pPr>
+            <a:lvl3pPr marL="1219170" indent="0">
+              <a:buNone/>
               <a:defRPr sz="2400" b="1"/>
-            </a:lvl1pPr>
-            <a:lvl2pPr marL="457200" indent="0">
-              <a:buNone/>
-              <a:defRPr sz="2000" b="1"/>
-            </a:lvl2pPr>
-            <a:lvl3pPr marL="914400" indent="0">
-              <a:buNone/>
-              <a:defRPr sz="1800" b="1"/>
             </a:lvl3pPr>
-            <a:lvl4pPr marL="1371600" indent="0">
-              <a:buNone/>
-              <a:defRPr sz="1600" b="1"/>
+            <a:lvl4pPr marL="1828754" indent="0">
+              <a:buNone/>
+              <a:defRPr sz="2133" b="1"/>
             </a:lvl4pPr>
-            <a:lvl5pPr marL="1828800" indent="0">
-              <a:buNone/>
-              <a:defRPr sz="1600" b="1"/>
+            <a:lvl5pPr marL="2438339" indent="0">
+              <a:buNone/>
+              <a:defRPr sz="2133" b="1"/>
             </a:lvl5pPr>
-            <a:lvl6pPr marL="2286000" indent="0">
-              <a:buNone/>
-              <a:defRPr sz="1600" b="1"/>
+            <a:lvl6pPr marL="3047924" indent="0">
+              <a:buNone/>
+              <a:defRPr sz="2133" b="1"/>
             </a:lvl6pPr>
-            <a:lvl7pPr marL="2743200" indent="0">
-              <a:buNone/>
-              <a:defRPr sz="1600" b="1"/>
+            <a:lvl7pPr marL="3657509" indent="0">
+              <a:buNone/>
+              <a:defRPr sz="2133" b="1"/>
             </a:lvl7pPr>
-            <a:lvl8pPr marL="3200400" indent="0">
-              <a:buNone/>
-              <a:defRPr sz="1600" b="1"/>
+            <a:lvl8pPr marL="4267093" indent="0">
+              <a:buNone/>
+              <a:defRPr sz="2133" b="1"/>
             </a:lvl8pPr>
-            <a:lvl9pPr marL="3657600" indent="0">
-              <a:buNone/>
-              <a:defRPr sz="1600" b="1"/>
+            <a:lvl9pPr marL="4876678" indent="0">
+              <a:buNone/>
+              <a:defRPr sz="2133" b="1"/>
             </a:lvl9pPr>
           </a:lstStyle>
           <a:p>
             <a:pPr lvl="0"/>
             <a:r>
-              <a:rPr lang="zh-TW" altLang="en-US" smtClean="0"/>
-              <a:t>按一下以編輯母片文字樣式</a:t>
-            </a:r>
-          </a:p>
-        </p:txBody>
-      </p:sp>
-      <p:sp>
-        <p:nvSpPr>
-          <p:cNvPr id="4" name="Content Placeholder 3"/>
+              <a:rPr lang="en-US" altLang="zh-TW" smtClean="0"/>
+              <a:t>Edit Master text styles</a:t>
+            </a:r>
+          </a:p>
+        </p:txBody>
+      </p:sp>
+      <p:sp>
+        <p:nvSpPr>
+          <p:cNvPr id="4" name="內容版面配置區 3"/>
           <p:cNvSpPr>
             <a:spLocks noGrp="1"/>
           </p:cNvSpPr>
@@ -1571,82 +1545,82 @@
         </p:nvSpPr>
         <p:spPr>
           <a:xfrm>
-            <a:off x="457200" y="2174875"/>
-            <a:ext cx="4040188" cy="3951288"/>
+            <a:off x="609600" y="2174875"/>
+            <a:ext cx="5386917" cy="3951288"/>
           </a:xfrm>
         </p:spPr>
         <p:txBody>
           <a:bodyPr/>
           <a:lstStyle>
             <a:lvl1pPr>
-              <a:defRPr sz="2400"/>
+              <a:defRPr sz="3200"/>
             </a:lvl1pPr>
             <a:lvl2pPr>
-              <a:defRPr sz="2000"/>
+              <a:defRPr sz="2667"/>
             </a:lvl2pPr>
             <a:lvl3pPr>
-              <a:defRPr sz="1800"/>
+              <a:defRPr sz="2400"/>
             </a:lvl3pPr>
             <a:lvl4pPr>
-              <a:defRPr sz="1600"/>
+              <a:defRPr sz="2133"/>
             </a:lvl4pPr>
             <a:lvl5pPr>
-              <a:defRPr sz="1600"/>
+              <a:defRPr sz="2133"/>
             </a:lvl5pPr>
             <a:lvl6pPr>
-              <a:defRPr sz="1600"/>
+              <a:defRPr sz="2133"/>
             </a:lvl6pPr>
             <a:lvl7pPr>
-              <a:defRPr sz="1600"/>
+              <a:defRPr sz="2133"/>
             </a:lvl7pPr>
             <a:lvl8pPr>
-              <a:defRPr sz="1600"/>
+              <a:defRPr sz="2133"/>
             </a:lvl8pPr>
             <a:lvl9pPr>
-              <a:defRPr sz="1600"/>
+              <a:defRPr sz="2133"/>
             </a:lvl9pPr>
           </a:lstStyle>
           <a:p>
             <a:pPr lvl="0"/>
             <a:r>
-              <a:rPr lang="zh-TW" altLang="en-US" smtClean="0"/>
-              <a:t>按一下以編輯母片文字樣式</a:t>
+              <a:rPr lang="en-US" altLang="zh-TW" smtClean="0"/>
+              <a:t>Edit Master text styles</a:t>
             </a:r>
           </a:p>
           <a:p>
             <a:pPr lvl="1"/>
             <a:r>
-              <a:rPr lang="zh-TW" altLang="en-US" smtClean="0"/>
-              <a:t>第二層</a:t>
+              <a:rPr lang="en-US" altLang="zh-TW" smtClean="0"/>
+              <a:t>Second level</a:t>
             </a:r>
           </a:p>
           <a:p>
             <a:pPr lvl="2"/>
             <a:r>
-              <a:rPr lang="zh-TW" altLang="en-US" smtClean="0"/>
-              <a:t>第三層</a:t>
+              <a:rPr lang="en-US" altLang="zh-TW" smtClean="0"/>
+              <a:t>Third level</a:t>
             </a:r>
           </a:p>
           <a:p>
             <a:pPr lvl="3"/>
             <a:r>
-              <a:rPr lang="zh-TW" altLang="en-US" smtClean="0"/>
-              <a:t>第四層</a:t>
+              <a:rPr lang="en-US" altLang="zh-TW" smtClean="0"/>
+              <a:t>Fourth level</a:t>
             </a:r>
           </a:p>
           <a:p>
             <a:pPr lvl="4"/>
             <a:r>
-              <a:rPr lang="zh-TW" altLang="en-US" smtClean="0"/>
-              <a:t>第五層</a:t>
-            </a:r>
-            <a:endParaRPr lang="en-US"/>
-          </a:p>
-        </p:txBody>
-      </p:sp>
-      <p:sp>
-        <p:nvSpPr>
-          <p:cNvPr id="5" name="Text Placeholder 4"/>
+              <a:rPr lang="en-US" altLang="zh-TW" smtClean="0"/>
+              <a:t>Fifth level</a:t>
+            </a:r>
+            <a:endParaRPr lang="zh-TW" altLang="en-US"/>
+          </a:p>
+        </p:txBody>
+      </p:sp>
+      <p:sp>
+        <p:nvSpPr>
+          <p:cNvPr id="5" name="文字版面配置區 4"/>
           <p:cNvSpPr>
             <a:spLocks noGrp="1"/>
           </p:cNvSpPr>
@@ -1656,8 +1630,8 @@
         </p:nvSpPr>
         <p:spPr>
           <a:xfrm>
-            <a:off x="4645025" y="1535113"/>
-            <a:ext cx="4041775" cy="639762"/>
+            <a:off x="6193369" y="1535113"/>
+            <a:ext cx="5389033" cy="639763"/>
           </a:xfrm>
         </p:spPr>
         <p:txBody>
@@ -1665,53 +1639,53 @@
           <a:lstStyle>
             <a:lvl1pPr marL="0" indent="0">
               <a:buNone/>
+              <a:defRPr sz="3200" b="1"/>
+            </a:lvl1pPr>
+            <a:lvl2pPr marL="609585" indent="0">
+              <a:buNone/>
+              <a:defRPr sz="2667" b="1"/>
+            </a:lvl2pPr>
+            <a:lvl3pPr marL="1219170" indent="0">
+              <a:buNone/>
               <a:defRPr sz="2400" b="1"/>
-            </a:lvl1pPr>
-            <a:lvl2pPr marL="457200" indent="0">
-              <a:buNone/>
-              <a:defRPr sz="2000" b="1"/>
-            </a:lvl2pPr>
-            <a:lvl3pPr marL="914400" indent="0">
-              <a:buNone/>
-              <a:defRPr sz="1800" b="1"/>
             </a:lvl3pPr>
-            <a:lvl4pPr marL="1371600" indent="0">
-              <a:buNone/>
-              <a:defRPr sz="1600" b="1"/>
+            <a:lvl4pPr marL="1828754" indent="0">
+              <a:buNone/>
+              <a:defRPr sz="2133" b="1"/>
             </a:lvl4pPr>
-            <a:lvl5pPr marL="1828800" indent="0">
-              <a:buNone/>
-              <a:defRPr sz="1600" b="1"/>
+            <a:lvl5pPr marL="2438339" indent="0">
+              <a:buNone/>
+              <a:defRPr sz="2133" b="1"/>
             </a:lvl5pPr>
-            <a:lvl6pPr marL="2286000" indent="0">
-              <a:buNone/>
-              <a:defRPr sz="1600" b="1"/>
+            <a:lvl6pPr marL="3047924" indent="0">
+              <a:buNone/>
+              <a:defRPr sz="2133" b="1"/>
             </a:lvl6pPr>
-            <a:lvl7pPr marL="2743200" indent="0">
-              <a:buNone/>
-              <a:defRPr sz="1600" b="1"/>
+            <a:lvl7pPr marL="3657509" indent="0">
+              <a:buNone/>
+              <a:defRPr sz="2133" b="1"/>
             </a:lvl7pPr>
-            <a:lvl8pPr marL="3200400" indent="0">
-              <a:buNone/>
-              <a:defRPr sz="1600" b="1"/>
+            <a:lvl8pPr marL="4267093" indent="0">
+              <a:buNone/>
+              <a:defRPr sz="2133" b="1"/>
             </a:lvl8pPr>
-            <a:lvl9pPr marL="3657600" indent="0">
-              <a:buNone/>
-              <a:defRPr sz="1600" b="1"/>
+            <a:lvl9pPr marL="4876678" indent="0">
+              <a:buNone/>
+              <a:defRPr sz="2133" b="1"/>
             </a:lvl9pPr>
           </a:lstStyle>
           <a:p>
             <a:pPr lvl="0"/>
             <a:r>
-              <a:rPr lang="zh-TW" altLang="en-US" smtClean="0"/>
-              <a:t>按一下以編輯母片文字樣式</a:t>
-            </a:r>
-          </a:p>
-        </p:txBody>
-      </p:sp>
-      <p:sp>
-        <p:nvSpPr>
-          <p:cNvPr id="6" name="Content Placeholder 5"/>
+              <a:rPr lang="en-US" altLang="zh-TW" smtClean="0"/>
+              <a:t>Edit Master text styles</a:t>
+            </a:r>
+          </a:p>
+        </p:txBody>
+      </p:sp>
+      <p:sp>
+        <p:nvSpPr>
+          <p:cNvPr id="6" name="內容版面配置區 5"/>
           <p:cNvSpPr>
             <a:spLocks noGrp="1"/>
           </p:cNvSpPr>
@@ -1721,82 +1695,82 @@
         </p:nvSpPr>
         <p:spPr>
           <a:xfrm>
-            <a:off x="4645025" y="2174875"/>
-            <a:ext cx="4041775" cy="3951288"/>
+            <a:off x="6193369" y="2174875"/>
+            <a:ext cx="5389033" cy="3951288"/>
           </a:xfrm>
         </p:spPr>
         <p:txBody>
           <a:bodyPr/>
           <a:lstStyle>
             <a:lvl1pPr>
-              <a:defRPr sz="2400"/>
+              <a:defRPr sz="3200"/>
             </a:lvl1pPr>
             <a:lvl2pPr>
-              <a:defRPr sz="2000"/>
+              <a:defRPr sz="2667"/>
             </a:lvl2pPr>
             <a:lvl3pPr>
-              <a:defRPr sz="1800"/>
+              <a:defRPr sz="2400"/>
             </a:lvl3pPr>
             <a:lvl4pPr>
-              <a:defRPr sz="1600"/>
+              <a:defRPr sz="2133"/>
             </a:lvl4pPr>
             <a:lvl5pPr>
-              <a:defRPr sz="1600"/>
+              <a:defRPr sz="2133"/>
             </a:lvl5pPr>
             <a:lvl6pPr>
-              <a:defRPr sz="1600"/>
+              <a:defRPr sz="2133"/>
             </a:lvl6pPr>
             <a:lvl7pPr>
-              <a:defRPr sz="1600"/>
+              <a:defRPr sz="2133"/>
             </a:lvl7pPr>
             <a:lvl8pPr>
-              <a:defRPr sz="1600"/>
+              <a:defRPr sz="2133"/>
             </a:lvl8pPr>
             <a:lvl9pPr>
-              <a:defRPr sz="1600"/>
+              <a:defRPr sz="2133"/>
             </a:lvl9pPr>
           </a:lstStyle>
           <a:p>
             <a:pPr lvl="0"/>
             <a:r>
-              <a:rPr lang="zh-TW" altLang="en-US" smtClean="0"/>
-              <a:t>按一下以編輯母片文字樣式</a:t>
+              <a:rPr lang="en-US" altLang="zh-TW" smtClean="0"/>
+              <a:t>Edit Master text styles</a:t>
             </a:r>
           </a:p>
           <a:p>
             <a:pPr lvl="1"/>
             <a:r>
-              <a:rPr lang="zh-TW" altLang="en-US" smtClean="0"/>
-              <a:t>第二層</a:t>
+              <a:rPr lang="en-US" altLang="zh-TW" smtClean="0"/>
+              <a:t>Second level</a:t>
             </a:r>
           </a:p>
           <a:p>
             <a:pPr lvl="2"/>
             <a:r>
-              <a:rPr lang="zh-TW" altLang="en-US" smtClean="0"/>
-              <a:t>第三層</a:t>
+              <a:rPr lang="en-US" altLang="zh-TW" smtClean="0"/>
+              <a:t>Third level</a:t>
             </a:r>
           </a:p>
           <a:p>
             <a:pPr lvl="3"/>
             <a:r>
-              <a:rPr lang="zh-TW" altLang="en-US" smtClean="0"/>
-              <a:t>第四層</a:t>
+              <a:rPr lang="en-US" altLang="zh-TW" smtClean="0"/>
+              <a:t>Fourth level</a:t>
             </a:r>
           </a:p>
           <a:p>
             <a:pPr lvl="4"/>
             <a:r>
-              <a:rPr lang="zh-TW" altLang="en-US" smtClean="0"/>
-              <a:t>第五層</a:t>
-            </a:r>
-            <a:endParaRPr lang="en-US"/>
-          </a:p>
-        </p:txBody>
-      </p:sp>
-      <p:sp>
-        <p:nvSpPr>
-          <p:cNvPr id="7" name="Date Placeholder 3"/>
+              <a:rPr lang="en-US" altLang="zh-TW" smtClean="0"/>
+              <a:t>Fifth level</a:t>
+            </a:r>
+            <a:endParaRPr lang="zh-TW" altLang="en-US"/>
+          </a:p>
+        </p:txBody>
+      </p:sp>
+      <p:sp>
+        <p:nvSpPr>
+          <p:cNvPr id="7" name="日期版面配置區 6"/>
           <p:cNvSpPr>
             <a:spLocks noGrp="1"/>
           </p:cNvSpPr>
@@ -1807,15 +1781,11 @@
         <p:spPr/>
         <p:txBody>
           <a:bodyPr/>
-          <a:lstStyle>
-            <a:lvl1pPr>
-              <a:defRPr/>
-            </a:lvl1pPr>
-          </a:lstStyle>
+          <a:lstStyle/>
           <a:p>
             <a:fld id="{3E69BCAC-3742-4024-93C9-68F9A18DF23D}" type="datetimeFigureOut">
               <a:rPr lang="zh-TW" altLang="en-US" smtClean="0"/>
-              <a:t>2015/7/17</a:t>
+              <a:t>2020/6/17</a:t>
             </a:fld>
             <a:endParaRPr lang="zh-TW" altLang="en-US"/>
           </a:p>
@@ -1823,7 +1793,7 @@
       </p:sp>
       <p:sp>
         <p:nvSpPr>
-          <p:cNvPr id="8" name="Footer Placeholder 4"/>
+          <p:cNvPr id="8" name="頁尾版面配置區 7"/>
           <p:cNvSpPr>
             <a:spLocks noGrp="1"/>
           </p:cNvSpPr>
@@ -1834,19 +1804,15 @@
         <p:spPr/>
         <p:txBody>
           <a:bodyPr/>
-          <a:lstStyle>
-            <a:lvl1pPr>
-              <a:defRPr/>
-            </a:lvl1pPr>
-          </a:lstStyle>
-          <a:p>
-            <a:endParaRPr lang="zh-TW" altLang="en-US"/>
-          </a:p>
-        </p:txBody>
-      </p:sp>
-      <p:sp>
-        <p:nvSpPr>
-          <p:cNvPr id="9" name="Slide Number Placeholder 5"/>
+          <a:lstStyle/>
+          <a:p>
+            <a:endParaRPr lang="zh-TW" altLang="en-US"/>
+          </a:p>
+        </p:txBody>
+      </p:sp>
+      <p:sp>
+        <p:nvSpPr>
+          <p:cNvPr id="9" name="投影片編號版面配置區 8"/>
           <p:cNvSpPr>
             <a:spLocks noGrp="1"/>
           </p:cNvSpPr>
@@ -1857,11 +1823,7 @@
         <p:spPr/>
         <p:txBody>
           <a:bodyPr/>
-          <a:lstStyle>
-            <a:lvl1pPr>
-              <a:defRPr/>
-            </a:lvl1pPr>
-          </a:lstStyle>
+          <a:lstStyle/>
           <a:p>
             <a:fld id="{9544D08F-CD2E-4E7D-89DA-18321D89F5ED}" type="slidenum">
               <a:rPr lang="zh-TW" altLang="en-US" smtClean="0"/>
@@ -1872,6 +1834,11 @@
         </p:txBody>
       </p:sp>
     </p:spTree>
+    <p:extLst>
+      <p:ext uri="{BB962C8B-B14F-4D97-AF65-F5344CB8AC3E}">
+        <p14:creationId xmlns:p14="http://schemas.microsoft.com/office/powerpoint/2010/main" val="3052713635"/>
+      </p:ext>
+    </p:extLst>
   </p:cSld>
   <p:clrMapOvr>
     <a:masterClrMapping/>
@@ -1898,7 +1865,7 @@
       </p:grpSpPr>
       <p:sp>
         <p:nvSpPr>
-          <p:cNvPr id="2" name="Title 1"/>
+          <p:cNvPr id="2" name="標題 1"/>
           <p:cNvSpPr>
             <a:spLocks noGrp="1"/>
           </p:cNvSpPr>
@@ -1912,16 +1879,16 @@
           <a:lstStyle/>
           <a:p>
             <a:r>
-              <a:rPr lang="zh-TW" altLang="en-US" smtClean="0"/>
-              <a:t>按一下以編輯母片標題樣式</a:t>
-            </a:r>
-            <a:endParaRPr lang="en-US"/>
-          </a:p>
-        </p:txBody>
-      </p:sp>
-      <p:sp>
-        <p:nvSpPr>
-          <p:cNvPr id="3" name="Date Placeholder 3"/>
+              <a:rPr lang="en-US" altLang="zh-TW" smtClean="0"/>
+              <a:t>Click to edit Master title style</a:t>
+            </a:r>
+            <a:endParaRPr lang="zh-TW" altLang="en-US"/>
+          </a:p>
+        </p:txBody>
+      </p:sp>
+      <p:sp>
+        <p:nvSpPr>
+          <p:cNvPr id="3" name="日期版面配置區 2"/>
           <p:cNvSpPr>
             <a:spLocks noGrp="1"/>
           </p:cNvSpPr>
@@ -1932,15 +1899,11 @@
         <p:spPr/>
         <p:txBody>
           <a:bodyPr/>
-          <a:lstStyle>
-            <a:lvl1pPr>
-              <a:defRPr/>
-            </a:lvl1pPr>
-          </a:lstStyle>
+          <a:lstStyle/>
           <a:p>
             <a:fld id="{3E69BCAC-3742-4024-93C9-68F9A18DF23D}" type="datetimeFigureOut">
               <a:rPr lang="zh-TW" altLang="en-US" smtClean="0"/>
-              <a:t>2015/7/17</a:t>
+              <a:t>2020/6/17</a:t>
             </a:fld>
             <a:endParaRPr lang="zh-TW" altLang="en-US"/>
           </a:p>
@@ -1948,7 +1911,7 @@
       </p:sp>
       <p:sp>
         <p:nvSpPr>
-          <p:cNvPr id="4" name="Footer Placeholder 4"/>
+          <p:cNvPr id="4" name="頁尾版面配置區 3"/>
           <p:cNvSpPr>
             <a:spLocks noGrp="1"/>
           </p:cNvSpPr>
@@ -1959,19 +1922,15 @@
         <p:spPr/>
         <p:txBody>
           <a:bodyPr/>
-          <a:lstStyle>
-            <a:lvl1pPr>
-              <a:defRPr/>
-            </a:lvl1pPr>
-          </a:lstStyle>
-          <a:p>
-            <a:endParaRPr lang="zh-TW" altLang="en-US"/>
-          </a:p>
-        </p:txBody>
-      </p:sp>
-      <p:sp>
-        <p:nvSpPr>
-          <p:cNvPr id="5" name="Slide Number Placeholder 5"/>
+          <a:lstStyle/>
+          <a:p>
+            <a:endParaRPr lang="zh-TW" altLang="en-US"/>
+          </a:p>
+        </p:txBody>
+      </p:sp>
+      <p:sp>
+        <p:nvSpPr>
+          <p:cNvPr id="5" name="投影片編號版面配置區 4"/>
           <p:cNvSpPr>
             <a:spLocks noGrp="1"/>
           </p:cNvSpPr>
@@ -1982,11 +1941,7 @@
         <p:spPr/>
         <p:txBody>
           <a:bodyPr/>
-          <a:lstStyle>
-            <a:lvl1pPr>
-              <a:defRPr/>
-            </a:lvl1pPr>
-          </a:lstStyle>
+          <a:lstStyle/>
           <a:p>
             <a:fld id="{9544D08F-CD2E-4E7D-89DA-18321D89F5ED}" type="slidenum">
               <a:rPr lang="zh-TW" altLang="en-US" smtClean="0"/>
@@ -1997,6 +1952,11 @@
         </p:txBody>
       </p:sp>
     </p:spTree>
+    <p:extLst>
+      <p:ext uri="{BB962C8B-B14F-4D97-AF65-F5344CB8AC3E}">
+        <p14:creationId xmlns:p14="http://schemas.microsoft.com/office/powerpoint/2010/main" val="1853762386"/>
+      </p:ext>
+    </p:extLst>
   </p:cSld>
   <p:clrMapOvr>
     <a:masterClrMapping/>
@@ -2023,7 +1983,7 @@
       </p:grpSpPr>
       <p:sp>
         <p:nvSpPr>
-          <p:cNvPr id="2" name="Date Placeholder 3"/>
+          <p:cNvPr id="2" name="日期版面配置區 1"/>
           <p:cNvSpPr>
             <a:spLocks noGrp="1"/>
           </p:cNvSpPr>
@@ -2034,15 +1994,11 @@
         <p:spPr/>
         <p:txBody>
           <a:bodyPr/>
-          <a:lstStyle>
-            <a:lvl1pPr>
-              <a:defRPr/>
-            </a:lvl1pPr>
-          </a:lstStyle>
+          <a:lstStyle/>
           <a:p>
             <a:fld id="{3E69BCAC-3742-4024-93C9-68F9A18DF23D}" type="datetimeFigureOut">
               <a:rPr lang="zh-TW" altLang="en-US" smtClean="0"/>
-              <a:t>2015/7/17</a:t>
+              <a:t>2020/6/17</a:t>
             </a:fld>
             <a:endParaRPr lang="zh-TW" altLang="en-US"/>
           </a:p>
@@ -2050,7 +2006,7 @@
       </p:sp>
       <p:sp>
         <p:nvSpPr>
-          <p:cNvPr id="3" name="Footer Placeholder 4"/>
+          <p:cNvPr id="3" name="頁尾版面配置區 2"/>
           <p:cNvSpPr>
             <a:spLocks noGrp="1"/>
           </p:cNvSpPr>
@@ -2061,19 +2017,15 @@
         <p:spPr/>
         <p:txBody>
           <a:bodyPr/>
-          <a:lstStyle>
-            <a:lvl1pPr>
-              <a:defRPr/>
-            </a:lvl1pPr>
-          </a:lstStyle>
-          <a:p>
-            <a:endParaRPr lang="zh-TW" altLang="en-US"/>
-          </a:p>
-        </p:txBody>
-      </p:sp>
-      <p:sp>
-        <p:nvSpPr>
-          <p:cNvPr id="4" name="Slide Number Placeholder 5"/>
+          <a:lstStyle/>
+          <a:p>
+            <a:endParaRPr lang="zh-TW" altLang="en-US"/>
+          </a:p>
+        </p:txBody>
+      </p:sp>
+      <p:sp>
+        <p:nvSpPr>
+          <p:cNvPr id="4" name="投影片編號版面配置區 3"/>
           <p:cNvSpPr>
             <a:spLocks noGrp="1"/>
           </p:cNvSpPr>
@@ -2084,11 +2036,7 @@
         <p:spPr/>
         <p:txBody>
           <a:bodyPr/>
-          <a:lstStyle>
-            <a:lvl1pPr>
-              <a:defRPr/>
-            </a:lvl1pPr>
-          </a:lstStyle>
+          <a:lstStyle/>
           <a:p>
             <a:fld id="{9544D08F-CD2E-4E7D-89DA-18321D89F5ED}" type="slidenum">
               <a:rPr lang="zh-TW" altLang="en-US" smtClean="0"/>
@@ -2099,6 +2047,11 @@
         </p:txBody>
       </p:sp>
     </p:spTree>
+    <p:extLst>
+      <p:ext uri="{BB962C8B-B14F-4D97-AF65-F5344CB8AC3E}">
+        <p14:creationId xmlns:p14="http://schemas.microsoft.com/office/powerpoint/2010/main" val="1342971695"/>
+      </p:ext>
+    </p:extLst>
   </p:cSld>
   <p:clrMapOvr>
     <a:masterClrMapping/>
@@ -2125,7 +2078,7 @@
       </p:grpSpPr>
       <p:sp>
         <p:nvSpPr>
-          <p:cNvPr id="2" name="Title 1"/>
+          <p:cNvPr id="2" name="標題 1"/>
           <p:cNvSpPr>
             <a:spLocks noGrp="1"/>
           </p:cNvSpPr>
@@ -2135,29 +2088,29 @@
         </p:nvSpPr>
         <p:spPr>
           <a:xfrm>
-            <a:off x="457200" y="273050"/>
-            <a:ext cx="3008313" cy="1162050"/>
+            <a:off x="609602" y="273049"/>
+            <a:ext cx="4011084" cy="1162051"/>
           </a:xfrm>
         </p:spPr>
         <p:txBody>
           <a:bodyPr anchor="b"/>
           <a:lstStyle>
             <a:lvl1pPr algn="l">
-              <a:defRPr sz="2000" b="1"/>
+              <a:defRPr sz="2667" b="1"/>
             </a:lvl1pPr>
           </a:lstStyle>
           <a:p>
             <a:r>
-              <a:rPr lang="zh-TW" altLang="en-US" smtClean="0"/>
-              <a:t>按一下以編輯母片標題樣式</a:t>
-            </a:r>
-            <a:endParaRPr lang="en-US"/>
-          </a:p>
-        </p:txBody>
-      </p:sp>
-      <p:sp>
-        <p:nvSpPr>
-          <p:cNvPr id="3" name="Content Placeholder 2"/>
+              <a:rPr lang="en-US" altLang="zh-TW" smtClean="0"/>
+              <a:t>Click to edit Master title style</a:t>
+            </a:r>
+            <a:endParaRPr lang="zh-TW" altLang="en-US"/>
+          </a:p>
+        </p:txBody>
+      </p:sp>
+      <p:sp>
+        <p:nvSpPr>
+          <p:cNvPr id="3" name="內容版面配置區 2"/>
           <p:cNvSpPr>
             <a:spLocks noGrp="1"/>
           </p:cNvSpPr>
@@ -2167,82 +2120,82 @@
         </p:nvSpPr>
         <p:spPr>
           <a:xfrm>
-            <a:off x="3575050" y="273050"/>
-            <a:ext cx="5111750" cy="5853113"/>
+            <a:off x="4766733" y="273052"/>
+            <a:ext cx="6815667" cy="5853113"/>
           </a:xfrm>
         </p:spPr>
         <p:txBody>
           <a:bodyPr/>
           <a:lstStyle>
             <a:lvl1pPr>
-              <a:defRPr sz="3200"/>
+              <a:defRPr sz="4267"/>
             </a:lvl1pPr>
             <a:lvl2pPr>
-              <a:defRPr sz="2800"/>
+              <a:defRPr sz="3733"/>
             </a:lvl2pPr>
             <a:lvl3pPr>
-              <a:defRPr sz="2400"/>
+              <a:defRPr sz="3200"/>
             </a:lvl3pPr>
             <a:lvl4pPr>
-              <a:defRPr sz="2000"/>
+              <a:defRPr sz="2667"/>
             </a:lvl4pPr>
             <a:lvl5pPr>
-              <a:defRPr sz="2000"/>
+              <a:defRPr sz="2667"/>
             </a:lvl5pPr>
             <a:lvl6pPr>
-              <a:defRPr sz="2000"/>
+              <a:defRPr sz="2667"/>
             </a:lvl6pPr>
             <a:lvl7pPr>
-              <a:defRPr sz="2000"/>
+              <a:defRPr sz="2667"/>
             </a:lvl7pPr>
             <a:lvl8pPr>
-              <a:defRPr sz="2000"/>
+              <a:defRPr sz="2667"/>
             </a:lvl8pPr>
             <a:lvl9pPr>
-              <a:defRPr sz="2000"/>
+              <a:defRPr sz="2667"/>
             </a:lvl9pPr>
           </a:lstStyle>
           <a:p>
             <a:pPr lvl="0"/>
             <a:r>
-              <a:rPr lang="zh-TW" altLang="en-US" smtClean="0"/>
-              <a:t>按一下以編輯母片文字樣式</a:t>
+              <a:rPr lang="en-US" altLang="zh-TW" smtClean="0"/>
+              <a:t>Edit Master text styles</a:t>
             </a:r>
           </a:p>
           <a:p>
             <a:pPr lvl="1"/>
             <a:r>
-              <a:rPr lang="zh-TW" altLang="en-US" smtClean="0"/>
-              <a:t>第二層</a:t>
+              <a:rPr lang="en-US" altLang="zh-TW" smtClean="0"/>
+              <a:t>Second level</a:t>
             </a:r>
           </a:p>
           <a:p>
             <a:pPr lvl="2"/>
             <a:r>
-              <a:rPr lang="zh-TW" altLang="en-US" smtClean="0"/>
-              <a:t>第三層</a:t>
+              <a:rPr lang="en-US" altLang="zh-TW" smtClean="0"/>
+              <a:t>Third level</a:t>
             </a:r>
           </a:p>
           <a:p>
             <a:pPr lvl="3"/>
             <a:r>
-              <a:rPr lang="zh-TW" altLang="en-US" smtClean="0"/>
-              <a:t>第四層</a:t>
+              <a:rPr lang="en-US" altLang="zh-TW" smtClean="0"/>
+              <a:t>Fourth level</a:t>
             </a:r>
           </a:p>
           <a:p>
             <a:pPr lvl="4"/>
             <a:r>
-              <a:rPr lang="zh-TW" altLang="en-US" smtClean="0"/>
-              <a:t>第五層</a:t>
-            </a:r>
-            <a:endParaRPr lang="en-US"/>
-          </a:p>
-        </p:txBody>
-      </p:sp>
-      <p:sp>
-        <p:nvSpPr>
-          <p:cNvPr id="4" name="Text Placeholder 3"/>
+              <a:rPr lang="en-US" altLang="zh-TW" smtClean="0"/>
+              <a:t>Fifth level</a:t>
+            </a:r>
+            <a:endParaRPr lang="zh-TW" altLang="en-US"/>
+          </a:p>
+        </p:txBody>
+      </p:sp>
+      <p:sp>
+        <p:nvSpPr>
+          <p:cNvPr id="4" name="文字版面配置區 3"/>
           <p:cNvSpPr>
             <a:spLocks noGrp="1"/>
           </p:cNvSpPr>
@@ -2252,8 +2205,8 @@
         </p:nvSpPr>
         <p:spPr>
           <a:xfrm>
-            <a:off x="457200" y="1435100"/>
-            <a:ext cx="3008313" cy="4691063"/>
+            <a:off x="609602" y="1435102"/>
+            <a:ext cx="4011084" cy="4691063"/>
           </a:xfrm>
         </p:spPr>
         <p:txBody>
@@ -2261,53 +2214,53 @@
           <a:lstStyle>
             <a:lvl1pPr marL="0" indent="0">
               <a:buNone/>
-              <a:defRPr sz="1400"/>
+              <a:defRPr sz="1867"/>
             </a:lvl1pPr>
-            <a:lvl2pPr marL="457200" indent="0">
+            <a:lvl2pPr marL="609585" indent="0">
+              <a:buNone/>
+              <a:defRPr sz="1600"/>
+            </a:lvl2pPr>
+            <a:lvl3pPr marL="1219170" indent="0">
+              <a:buNone/>
+              <a:defRPr sz="1333"/>
+            </a:lvl3pPr>
+            <a:lvl4pPr marL="1828754" indent="0">
               <a:buNone/>
               <a:defRPr sz="1200"/>
-            </a:lvl2pPr>
-            <a:lvl3pPr marL="914400" indent="0">
-              <a:buNone/>
-              <a:defRPr sz="1000"/>
-            </a:lvl3pPr>
-            <a:lvl4pPr marL="1371600" indent="0">
-              <a:buNone/>
-              <a:defRPr sz="900"/>
             </a:lvl4pPr>
-            <a:lvl5pPr marL="1828800" indent="0">
-              <a:buNone/>
-              <a:defRPr sz="900"/>
+            <a:lvl5pPr marL="2438339" indent="0">
+              <a:buNone/>
+              <a:defRPr sz="1200"/>
             </a:lvl5pPr>
-            <a:lvl6pPr marL="2286000" indent="0">
-              <a:buNone/>
-              <a:defRPr sz="900"/>
+            <a:lvl6pPr marL="3047924" indent="0">
+              <a:buNone/>
+              <a:defRPr sz="1200"/>
             </a:lvl6pPr>
-            <a:lvl7pPr marL="2743200" indent="0">
-              <a:buNone/>
-              <a:defRPr sz="900"/>
+            <a:lvl7pPr marL="3657509" indent="0">
+              <a:buNone/>
+              <a:defRPr sz="1200"/>
             </a:lvl7pPr>
-            <a:lvl8pPr marL="3200400" indent="0">
-              <a:buNone/>
-              <a:defRPr sz="900"/>
+            <a:lvl8pPr marL="4267093" indent="0">
+              <a:buNone/>
+              <a:defRPr sz="1200"/>
             </a:lvl8pPr>
-            <a:lvl9pPr marL="3657600" indent="0">
-              <a:buNone/>
-              <a:defRPr sz="900"/>
+            <a:lvl9pPr marL="4876678" indent="0">
+              <a:buNone/>
+              <a:defRPr sz="1200"/>
             </a:lvl9pPr>
           </a:lstStyle>
           <a:p>
             <a:pPr lvl="0"/>
             <a:r>
-              <a:rPr lang="zh-TW" altLang="en-US" smtClean="0"/>
-              <a:t>按一下以編輯母片文字樣式</a:t>
-            </a:r>
-          </a:p>
-        </p:txBody>
-      </p:sp>
-      <p:sp>
-        <p:nvSpPr>
-          <p:cNvPr id="5" name="Date Placeholder 3"/>
+              <a:rPr lang="en-US" altLang="zh-TW" smtClean="0"/>
+              <a:t>Edit Master text styles</a:t>
+            </a:r>
+          </a:p>
+        </p:txBody>
+      </p:sp>
+      <p:sp>
+        <p:nvSpPr>
+          <p:cNvPr id="5" name="日期版面配置區 4"/>
           <p:cNvSpPr>
             <a:spLocks noGrp="1"/>
           </p:cNvSpPr>
@@ -2318,15 +2271,11 @@
         <p:spPr/>
         <p:txBody>
           <a:bodyPr/>
-          <a:lstStyle>
-            <a:lvl1pPr>
-              <a:defRPr/>
-            </a:lvl1pPr>
-          </a:lstStyle>
+          <a:lstStyle/>
           <a:p>
             <a:fld id="{3E69BCAC-3742-4024-93C9-68F9A18DF23D}" type="datetimeFigureOut">
               <a:rPr lang="zh-TW" altLang="en-US" smtClean="0"/>
-              <a:t>2015/7/17</a:t>
+              <a:t>2020/6/17</a:t>
             </a:fld>
             <a:endParaRPr lang="zh-TW" altLang="en-US"/>
           </a:p>
@@ -2334,7 +2283,7 @@
       </p:sp>
       <p:sp>
         <p:nvSpPr>
-          <p:cNvPr id="6" name="Footer Placeholder 4"/>
+          <p:cNvPr id="6" name="頁尾版面配置區 5"/>
           <p:cNvSpPr>
             <a:spLocks noGrp="1"/>
           </p:cNvSpPr>
@@ -2345,19 +2294,15 @@
         <p:spPr/>
         <p:txBody>
           <a:bodyPr/>
-          <a:lstStyle>
-            <a:lvl1pPr>
-              <a:defRPr/>
-            </a:lvl1pPr>
-          </a:lstStyle>
-          <a:p>
-            <a:endParaRPr lang="zh-TW" altLang="en-US"/>
-          </a:p>
-        </p:txBody>
-      </p:sp>
-      <p:sp>
-        <p:nvSpPr>
-          <p:cNvPr id="7" name="Slide Number Placeholder 5"/>
+          <a:lstStyle/>
+          <a:p>
+            <a:endParaRPr lang="zh-TW" altLang="en-US"/>
+          </a:p>
+        </p:txBody>
+      </p:sp>
+      <p:sp>
+        <p:nvSpPr>
+          <p:cNvPr id="7" name="投影片編號版面配置區 6"/>
           <p:cNvSpPr>
             <a:spLocks noGrp="1"/>
           </p:cNvSpPr>
@@ -2368,11 +2313,7 @@
         <p:spPr/>
         <p:txBody>
           <a:bodyPr/>
-          <a:lstStyle>
-            <a:lvl1pPr>
-              <a:defRPr/>
-            </a:lvl1pPr>
-          </a:lstStyle>
+          <a:lstStyle/>
           <a:p>
             <a:fld id="{9544D08F-CD2E-4E7D-89DA-18321D89F5ED}" type="slidenum">
               <a:rPr lang="zh-TW" altLang="en-US" smtClean="0"/>
@@ -2383,6 +2324,11 @@
         </p:txBody>
       </p:sp>
     </p:spTree>
+    <p:extLst>
+      <p:ext uri="{BB962C8B-B14F-4D97-AF65-F5344CB8AC3E}">
+        <p14:creationId xmlns:p14="http://schemas.microsoft.com/office/powerpoint/2010/main" val="440221410"/>
+      </p:ext>
+    </p:extLst>
   </p:cSld>
   <p:clrMapOvr>
     <a:masterClrMapping/>
@@ -2409,7 +2355,7 @@
       </p:grpSpPr>
       <p:sp>
         <p:nvSpPr>
-          <p:cNvPr id="2" name="Title 1"/>
+          <p:cNvPr id="2" name="標題 1"/>
           <p:cNvSpPr>
             <a:spLocks noGrp="1"/>
           </p:cNvSpPr>
@@ -2419,29 +2365,29 @@
         </p:nvSpPr>
         <p:spPr>
           <a:xfrm>
-            <a:off x="1792288" y="4800600"/>
-            <a:ext cx="5486400" cy="566738"/>
+            <a:off x="2389717" y="4800600"/>
+            <a:ext cx="7315200" cy="566739"/>
           </a:xfrm>
         </p:spPr>
         <p:txBody>
           <a:bodyPr anchor="b"/>
           <a:lstStyle>
             <a:lvl1pPr algn="l">
-              <a:defRPr sz="2000" b="1"/>
+              <a:defRPr sz="2667" b="1"/>
             </a:lvl1pPr>
           </a:lstStyle>
           <a:p>
             <a:r>
-              <a:rPr lang="zh-TW" altLang="en-US" smtClean="0"/>
-              <a:t>按一下以編輯母片標題樣式</a:t>
-            </a:r>
-            <a:endParaRPr lang="en-US"/>
-          </a:p>
-        </p:txBody>
-      </p:sp>
-      <p:sp>
-        <p:nvSpPr>
-          <p:cNvPr id="3" name="Picture Placeholder 2"/>
+              <a:rPr lang="en-US" altLang="zh-TW" smtClean="0"/>
+              <a:t>Click to edit Master title style</a:t>
+            </a:r>
+            <a:endParaRPr lang="zh-TW" altLang="en-US"/>
+          </a:p>
+        </p:txBody>
+      </p:sp>
+      <p:sp>
+        <p:nvSpPr>
+          <p:cNvPr id="3" name="圖片版面配置區 2"/>
           <p:cNvSpPr>
             <a:spLocks noGrp="1"/>
           </p:cNvSpPr>
@@ -2451,65 +2397,62 @@
         </p:nvSpPr>
         <p:spPr>
           <a:xfrm>
-            <a:off x="1792288" y="612775"/>
-            <a:ext cx="5486400" cy="4114800"/>
+            <a:off x="2389717" y="612775"/>
+            <a:ext cx="7315200" cy="4114800"/>
           </a:xfrm>
         </p:spPr>
         <p:txBody>
-          <a:bodyPr rtlCol="0">
-            <a:normAutofit/>
-          </a:bodyPr>
+          <a:bodyPr/>
           <a:lstStyle>
             <a:lvl1pPr marL="0" indent="0">
               <a:buNone/>
+              <a:defRPr sz="4267"/>
+            </a:lvl1pPr>
+            <a:lvl2pPr marL="609585" indent="0">
+              <a:buNone/>
+              <a:defRPr sz="3733"/>
+            </a:lvl2pPr>
+            <a:lvl3pPr marL="1219170" indent="0">
+              <a:buNone/>
               <a:defRPr sz="3200"/>
-            </a:lvl1pPr>
-            <a:lvl2pPr marL="457200" indent="0">
-              <a:buNone/>
-              <a:defRPr sz="2800"/>
-            </a:lvl2pPr>
-            <a:lvl3pPr marL="914400" indent="0">
-              <a:buNone/>
-              <a:defRPr sz="2400"/>
             </a:lvl3pPr>
-            <a:lvl4pPr marL="1371600" indent="0">
-              <a:buNone/>
-              <a:defRPr sz="2000"/>
+            <a:lvl4pPr marL="1828754" indent="0">
+              <a:buNone/>
+              <a:defRPr sz="2667"/>
             </a:lvl4pPr>
-            <a:lvl5pPr marL="1828800" indent="0">
-              <a:buNone/>
-              <a:defRPr sz="2000"/>
+            <a:lvl5pPr marL="2438339" indent="0">
+              <a:buNone/>
+              <a:defRPr sz="2667"/>
             </a:lvl5pPr>
-            <a:lvl6pPr marL="2286000" indent="0">
-              <a:buNone/>
-              <a:defRPr sz="2000"/>
+            <a:lvl6pPr marL="3047924" indent="0">
+              <a:buNone/>
+              <a:defRPr sz="2667"/>
             </a:lvl6pPr>
-            <a:lvl7pPr marL="2743200" indent="0">
-              <a:buNone/>
-              <a:defRPr sz="2000"/>
+            <a:lvl7pPr marL="3657509" indent="0">
+              <a:buNone/>
+              <a:defRPr sz="2667"/>
             </a:lvl7pPr>
-            <a:lvl8pPr marL="3200400" indent="0">
-              <a:buNone/>
-              <a:defRPr sz="2000"/>
+            <a:lvl8pPr marL="4267093" indent="0">
+              <a:buNone/>
+              <a:defRPr sz="2667"/>
             </a:lvl8pPr>
-            <a:lvl9pPr marL="3657600" indent="0">
-              <a:buNone/>
-              <a:defRPr sz="2000"/>
+            <a:lvl9pPr marL="4876678" indent="0">
+              <a:buNone/>
+              <a:defRPr sz="2667"/>
             </a:lvl9pPr>
           </a:lstStyle>
           <a:p>
-            <a:pPr lvl="0"/>
-            <a:r>
-              <a:rPr lang="zh-TW" altLang="en-US" noProof="0" smtClean="0"/>
-              <a:t>按一下圖示以新增圖片</a:t>
-            </a:r>
-            <a:endParaRPr lang="en-US" noProof="0"/>
-          </a:p>
-        </p:txBody>
-      </p:sp>
-      <p:sp>
-        <p:nvSpPr>
-          <p:cNvPr id="4" name="Text Placeholder 3"/>
+            <a:r>
+              <a:rPr lang="en-US" altLang="zh-TW" smtClean="0"/>
+              <a:t>Click icon to add picture</a:t>
+            </a:r>
+            <a:endParaRPr lang="zh-TW" altLang="en-US"/>
+          </a:p>
+        </p:txBody>
+      </p:sp>
+      <p:sp>
+        <p:nvSpPr>
+          <p:cNvPr id="4" name="文字版面配置區 3"/>
           <p:cNvSpPr>
             <a:spLocks noGrp="1"/>
           </p:cNvSpPr>
@@ -2519,8 +2462,8 @@
         </p:nvSpPr>
         <p:spPr>
           <a:xfrm>
-            <a:off x="1792288" y="5367338"/>
-            <a:ext cx="5486400" cy="804862"/>
+            <a:off x="2389717" y="5367338"/>
+            <a:ext cx="7315200" cy="804863"/>
           </a:xfrm>
         </p:spPr>
         <p:txBody>
@@ -2528,53 +2471,53 @@
           <a:lstStyle>
             <a:lvl1pPr marL="0" indent="0">
               <a:buNone/>
-              <a:defRPr sz="1400"/>
+              <a:defRPr sz="1867"/>
             </a:lvl1pPr>
-            <a:lvl2pPr marL="457200" indent="0">
+            <a:lvl2pPr marL="609585" indent="0">
+              <a:buNone/>
+              <a:defRPr sz="1600"/>
+            </a:lvl2pPr>
+            <a:lvl3pPr marL="1219170" indent="0">
+              <a:buNone/>
+              <a:defRPr sz="1333"/>
+            </a:lvl3pPr>
+            <a:lvl4pPr marL="1828754" indent="0">
               <a:buNone/>
               <a:defRPr sz="1200"/>
-            </a:lvl2pPr>
-            <a:lvl3pPr marL="914400" indent="0">
-              <a:buNone/>
-              <a:defRPr sz="1000"/>
-            </a:lvl3pPr>
-            <a:lvl4pPr marL="1371600" indent="0">
-              <a:buNone/>
-              <a:defRPr sz="900"/>
             </a:lvl4pPr>
-            <a:lvl5pPr marL="1828800" indent="0">
-              <a:buNone/>
-              <a:defRPr sz="900"/>
+            <a:lvl5pPr marL="2438339" indent="0">
+              <a:buNone/>
+              <a:defRPr sz="1200"/>
             </a:lvl5pPr>
-            <a:lvl6pPr marL="2286000" indent="0">
-              <a:buNone/>
-              <a:defRPr sz="900"/>
+            <a:lvl6pPr marL="3047924" indent="0">
+              <a:buNone/>
+              <a:defRPr sz="1200"/>
             </a:lvl6pPr>
-            <a:lvl7pPr marL="2743200" indent="0">
-              <a:buNone/>
-              <a:defRPr sz="900"/>
+            <a:lvl7pPr marL="3657509" indent="0">
+              <a:buNone/>
+              <a:defRPr sz="1200"/>
             </a:lvl7pPr>
-            <a:lvl8pPr marL="3200400" indent="0">
-              <a:buNone/>
-              <a:defRPr sz="900"/>
+            <a:lvl8pPr marL="4267093" indent="0">
+              <a:buNone/>
+              <a:defRPr sz="1200"/>
             </a:lvl8pPr>
-            <a:lvl9pPr marL="3657600" indent="0">
-              <a:buNone/>
-              <a:defRPr sz="900"/>
+            <a:lvl9pPr marL="4876678" indent="0">
+              <a:buNone/>
+              <a:defRPr sz="1200"/>
             </a:lvl9pPr>
           </a:lstStyle>
           <a:p>
             <a:pPr lvl="0"/>
             <a:r>
-              <a:rPr lang="zh-TW" altLang="en-US" smtClean="0"/>
-              <a:t>按一下以編輯母片文字樣式</a:t>
-            </a:r>
-          </a:p>
-        </p:txBody>
-      </p:sp>
-      <p:sp>
-        <p:nvSpPr>
-          <p:cNvPr id="5" name="Date Placeholder 3"/>
+              <a:rPr lang="en-US" altLang="zh-TW" smtClean="0"/>
+              <a:t>Edit Master text styles</a:t>
+            </a:r>
+          </a:p>
+        </p:txBody>
+      </p:sp>
+      <p:sp>
+        <p:nvSpPr>
+          <p:cNvPr id="5" name="日期版面配置區 4"/>
           <p:cNvSpPr>
             <a:spLocks noGrp="1"/>
           </p:cNvSpPr>
@@ -2585,15 +2528,11 @@
         <p:spPr/>
         <p:txBody>
           <a:bodyPr/>
-          <a:lstStyle>
-            <a:lvl1pPr>
-              <a:defRPr/>
-            </a:lvl1pPr>
-          </a:lstStyle>
+          <a:lstStyle/>
           <a:p>
             <a:fld id="{3E69BCAC-3742-4024-93C9-68F9A18DF23D}" type="datetimeFigureOut">
               <a:rPr lang="zh-TW" altLang="en-US" smtClean="0"/>
-              <a:t>2015/7/17</a:t>
+              <a:t>2020/6/17</a:t>
             </a:fld>
             <a:endParaRPr lang="zh-TW" altLang="en-US"/>
           </a:p>
@@ -2601,7 +2540,7 @@
       </p:sp>
       <p:sp>
         <p:nvSpPr>
-          <p:cNvPr id="6" name="Footer Placeholder 4"/>
+          <p:cNvPr id="6" name="頁尾版面配置區 5"/>
           <p:cNvSpPr>
             <a:spLocks noGrp="1"/>
           </p:cNvSpPr>
@@ -2612,19 +2551,15 @@
         <p:spPr/>
         <p:txBody>
           <a:bodyPr/>
-          <a:lstStyle>
-            <a:lvl1pPr>
-              <a:defRPr/>
-            </a:lvl1pPr>
-          </a:lstStyle>
-          <a:p>
-            <a:endParaRPr lang="zh-TW" altLang="en-US"/>
-          </a:p>
-        </p:txBody>
-      </p:sp>
-      <p:sp>
-        <p:nvSpPr>
-          <p:cNvPr id="7" name="Slide Number Placeholder 5"/>
+          <a:lstStyle/>
+          <a:p>
+            <a:endParaRPr lang="zh-TW" altLang="en-US"/>
+          </a:p>
+        </p:txBody>
+      </p:sp>
+      <p:sp>
+        <p:nvSpPr>
+          <p:cNvPr id="7" name="投影片編號版面配置區 6"/>
           <p:cNvSpPr>
             <a:spLocks noGrp="1"/>
           </p:cNvSpPr>
@@ -2635,11 +2570,7 @@
         <p:spPr/>
         <p:txBody>
           <a:bodyPr/>
-          <a:lstStyle>
-            <a:lvl1pPr>
-              <a:defRPr/>
-            </a:lvl1pPr>
-          </a:lstStyle>
+          <a:lstStyle/>
           <a:p>
             <a:fld id="{9544D08F-CD2E-4E7D-89DA-18321D89F5ED}" type="slidenum">
               <a:rPr lang="zh-TW" altLang="en-US" smtClean="0"/>
@@ -2650,6 +2581,11 @@
         </p:txBody>
       </p:sp>
     </p:spTree>
+    <p:extLst>
+      <p:ext uri="{BB962C8B-B14F-4D97-AF65-F5344CB8AC3E}">
+        <p14:creationId xmlns:p14="http://schemas.microsoft.com/office/powerpoint/2010/main" val="2299654047"/>
+      </p:ext>
+    </p:extLst>
   </p:cSld>
   <p:clrMapOvr>
     <a:masterClrMapping/>
@@ -2663,13 +2599,9 @@
     <p:bg>
       <p:bgPr>
         <a:blipFill dpi="0" rotWithShape="1">
-          <a:blip r:embed="rId13">
-            <a:lum/>
-          </a:blip>
+          <a:blip r:embed="rId13"/>
           <a:srcRect/>
-          <a:stretch>
-            <a:fillRect l="-21000" r="-21000"/>
-          </a:stretch>
+          <a:tile tx="0" ty="0" sx="100000" sy="100000" flip="none" algn="tl"/>
         </a:blipFill>
         <a:effectLst/>
       </p:bgPr>
@@ -2690,162 +2622,135 @@
       </p:grpSpPr>
       <p:sp>
         <p:nvSpPr>
-          <p:cNvPr id="1026" name="Title Placeholder 1"/>
+          <p:cNvPr id="2" name="標題版面配置區 1"/>
           <p:cNvSpPr>
             <a:spLocks noGrp="1"/>
           </p:cNvSpPr>
           <p:nvPr>
             <p:ph type="title"/>
-          </p:nvPr>
-        </p:nvSpPr>
-        <p:spPr bwMode="auto">
-          <a:xfrm>
-            <a:off x="457200" y="274638"/>
-            <a:ext cx="8229600" cy="1143000"/>
-          </a:xfrm>
-          <a:prstGeom prst="rect">
-            <a:avLst/>
-          </a:prstGeom>
-          <a:noFill/>
-          <a:ln w="9525">
-            <a:noFill/>
-            <a:miter lim="800000"/>
-            <a:headEnd/>
-            <a:tailEnd/>
-          </a:ln>
-        </p:spPr>
-        <p:txBody>
-          <a:bodyPr vert="horz" wrap="square" lIns="91440" tIns="45720" rIns="91440" bIns="45720" numCol="1" anchor="ctr" anchorCtr="0" compatLnSpc="1">
-            <a:prstTxWarp prst="textNoShape">
-              <a:avLst/>
-            </a:prstTxWarp>
-          </a:bodyPr>
-          <a:lstStyle/>
-          <a:p>
-            <a:pPr lvl="0"/>
-            <a:r>
-              <a:rPr lang="zh-TW" altLang="en-US" smtClean="0"/>
-              <a:t>按一下以編輯母片標題樣式</a:t>
-            </a:r>
-            <a:endParaRPr lang="en-US" altLang="zh-TW" smtClean="0"/>
-          </a:p>
-        </p:txBody>
-      </p:sp>
-      <p:sp>
-        <p:nvSpPr>
-          <p:cNvPr id="1027" name="Text Placeholder 2"/>
-          <p:cNvSpPr>
-            <a:spLocks noGrp="1"/>
-          </p:cNvSpPr>
-          <p:nvPr>
-            <p:ph type="body" idx="1"/>
-          </p:nvPr>
-        </p:nvSpPr>
-        <p:spPr bwMode="auto">
-          <a:xfrm>
-            <a:off x="457200" y="1600200"/>
-            <a:ext cx="8229600" cy="4525963"/>
-          </a:xfrm>
-          <a:prstGeom prst="rect">
-            <a:avLst/>
-          </a:prstGeom>
-          <a:noFill/>
-          <a:ln w="9525">
-            <a:noFill/>
-            <a:miter lim="800000"/>
-            <a:headEnd/>
-            <a:tailEnd/>
-          </a:ln>
-        </p:spPr>
-        <p:txBody>
-          <a:bodyPr vert="horz" wrap="square" lIns="91440" tIns="45720" rIns="91440" bIns="45720" numCol="1" anchor="t" anchorCtr="0" compatLnSpc="1">
-            <a:prstTxWarp prst="textNoShape">
-              <a:avLst/>
-            </a:prstTxWarp>
-          </a:bodyPr>
-          <a:lstStyle/>
-          <a:p>
-            <a:pPr lvl="0"/>
-            <a:r>
-              <a:rPr lang="zh-TW" altLang="en-US" smtClean="0"/>
-              <a:t>按一下以編輯母片文字樣式</a:t>
-            </a:r>
-          </a:p>
-          <a:p>
-            <a:pPr lvl="1"/>
-            <a:r>
-              <a:rPr lang="zh-TW" altLang="en-US" smtClean="0"/>
-              <a:t>第二層</a:t>
-            </a:r>
-          </a:p>
-          <a:p>
-            <a:pPr lvl="2"/>
-            <a:r>
-              <a:rPr lang="zh-TW" altLang="en-US" smtClean="0"/>
-              <a:t>第三層</a:t>
-            </a:r>
-          </a:p>
-          <a:p>
-            <a:pPr lvl="3"/>
-            <a:r>
-              <a:rPr lang="zh-TW" altLang="en-US" smtClean="0"/>
-              <a:t>第四層</a:t>
-            </a:r>
-          </a:p>
-          <a:p>
-            <a:pPr lvl="4"/>
-            <a:r>
-              <a:rPr lang="zh-TW" altLang="en-US" smtClean="0"/>
-              <a:t>第五層</a:t>
-            </a:r>
-            <a:endParaRPr lang="en-US" altLang="zh-TW" smtClean="0"/>
-          </a:p>
-        </p:txBody>
-      </p:sp>
-      <p:sp>
-        <p:nvSpPr>
-          <p:cNvPr id="4" name="Date Placeholder 3"/>
-          <p:cNvSpPr>
-            <a:spLocks noGrp="1"/>
-          </p:cNvSpPr>
-          <p:nvPr>
-            <p:ph type="dt" sz="half" idx="2"/>
           </p:nvPr>
         </p:nvSpPr>
         <p:spPr>
           <a:xfrm>
-            <a:off x="457200" y="6356350"/>
-            <a:ext cx="2133600" cy="365125"/>
+            <a:off x="609600" y="274639"/>
+            <a:ext cx="10972800" cy="1143000"/>
           </a:xfrm>
           <a:prstGeom prst="rect">
             <a:avLst/>
           </a:prstGeom>
         </p:spPr>
         <p:txBody>
+          <a:bodyPr vert="horz" lIns="91440" tIns="45720" rIns="91440" bIns="45720" rtlCol="0" anchor="ctr">
+            <a:normAutofit/>
+          </a:bodyPr>
+          <a:lstStyle/>
+          <a:p>
+            <a:r>
+              <a:rPr lang="zh-TW" altLang="en-US" smtClean="0"/>
+              <a:t>按一下以編輯母片標題樣式</a:t>
+            </a:r>
+            <a:endParaRPr lang="zh-TW" altLang="en-US"/>
+          </a:p>
+        </p:txBody>
+      </p:sp>
+      <p:sp>
+        <p:nvSpPr>
+          <p:cNvPr id="3" name="文字版面配置區 2"/>
+          <p:cNvSpPr>
+            <a:spLocks noGrp="1"/>
+          </p:cNvSpPr>
+          <p:nvPr>
+            <p:ph type="body" idx="1"/>
+          </p:nvPr>
+        </p:nvSpPr>
+        <p:spPr>
+          <a:xfrm>
+            <a:off x="609600" y="1600201"/>
+            <a:ext cx="10972800" cy="4525963"/>
+          </a:xfrm>
+          <a:prstGeom prst="rect">
+            <a:avLst/>
+          </a:prstGeom>
+        </p:spPr>
+        <p:txBody>
+          <a:bodyPr vert="horz" lIns="91440" tIns="45720" rIns="91440" bIns="45720" rtlCol="0">
+            <a:normAutofit/>
+          </a:bodyPr>
+          <a:lstStyle/>
+          <a:p>
+            <a:pPr lvl="0"/>
+            <a:r>
+              <a:rPr lang="zh-TW" altLang="en-US" smtClean="0"/>
+              <a:t>按一下以編輯母片文字樣式</a:t>
+            </a:r>
+          </a:p>
+          <a:p>
+            <a:pPr lvl="1"/>
+            <a:r>
+              <a:rPr lang="zh-TW" altLang="en-US" smtClean="0"/>
+              <a:t>第二層</a:t>
+            </a:r>
+          </a:p>
+          <a:p>
+            <a:pPr lvl="2"/>
+            <a:r>
+              <a:rPr lang="zh-TW" altLang="en-US" smtClean="0"/>
+              <a:t>第三層</a:t>
+            </a:r>
+          </a:p>
+          <a:p>
+            <a:pPr lvl="3"/>
+            <a:r>
+              <a:rPr lang="zh-TW" altLang="en-US" smtClean="0"/>
+              <a:t>第四層</a:t>
+            </a:r>
+          </a:p>
+          <a:p>
+            <a:pPr lvl="4"/>
+            <a:r>
+              <a:rPr lang="zh-TW" altLang="en-US" smtClean="0"/>
+              <a:t>第五層</a:t>
+            </a:r>
+            <a:endParaRPr lang="zh-TW" altLang="en-US"/>
+          </a:p>
+        </p:txBody>
+      </p:sp>
+      <p:sp>
+        <p:nvSpPr>
+          <p:cNvPr id="4" name="日期版面配置區 3"/>
+          <p:cNvSpPr>
+            <a:spLocks noGrp="1"/>
+          </p:cNvSpPr>
+          <p:nvPr>
+            <p:ph type="dt" sz="half" idx="2"/>
+          </p:nvPr>
+        </p:nvSpPr>
+        <p:spPr>
+          <a:xfrm>
+            <a:off x="609600" y="6356351"/>
+            <a:ext cx="2844800" cy="365125"/>
+          </a:xfrm>
+          <a:prstGeom prst="rect">
+            <a:avLst/>
+          </a:prstGeom>
+        </p:spPr>
+        <p:txBody>
           <a:bodyPr vert="horz" lIns="91440" tIns="45720" rIns="91440" bIns="45720" rtlCol="0" anchor="ctr"/>
           <a:lstStyle>
-            <a:lvl1pPr algn="l" fontAlgn="auto">
-              <a:spcBef>
-                <a:spcPts val="0"/>
-              </a:spcBef>
-              <a:spcAft>
-                <a:spcPts val="0"/>
-              </a:spcAft>
-              <a:defRPr kumimoji="0" sz="1200" smtClean="0">
+            <a:lvl1pPr algn="l">
+              <a:defRPr sz="1600">
                 <a:solidFill>
                   <a:schemeClr val="tx1">
                     <a:tint val="75000"/>
                   </a:schemeClr>
                 </a:solidFill>
-                <a:latin typeface="+mn-lt"/>
-                <a:ea typeface="+mn-ea"/>
               </a:defRPr>
             </a:lvl1pPr>
           </a:lstStyle>
           <a:p>
             <a:fld id="{3E69BCAC-3742-4024-93C9-68F9A18DF23D}" type="datetimeFigureOut">
               <a:rPr lang="zh-TW" altLang="en-US" smtClean="0"/>
-              <a:t>2015/7/17</a:t>
+              <a:t>2020/6/17</a:t>
             </a:fld>
             <a:endParaRPr lang="zh-TW" altLang="en-US"/>
           </a:p>
@@ -2853,7 +2758,7 @@
       </p:sp>
       <p:sp>
         <p:nvSpPr>
-          <p:cNvPr id="5" name="Footer Placeholder 4"/>
+          <p:cNvPr id="5" name="頁尾版面配置區 4"/>
           <p:cNvSpPr>
             <a:spLocks noGrp="1"/>
           </p:cNvSpPr>
@@ -2863,8 +2768,8 @@
         </p:nvSpPr>
         <p:spPr>
           <a:xfrm>
-            <a:off x="3124200" y="6356350"/>
-            <a:ext cx="2895600" cy="365125"/>
+            <a:off x="4165600" y="6356351"/>
+            <a:ext cx="3860800" cy="365125"/>
           </a:xfrm>
           <a:prstGeom prst="rect">
             <a:avLst/>
@@ -2873,21 +2778,13 @@
         <p:txBody>
           <a:bodyPr vert="horz" lIns="91440" tIns="45720" rIns="91440" bIns="45720" rtlCol="0" anchor="ctr"/>
           <a:lstStyle>
-            <a:lvl1pPr algn="ctr" fontAlgn="auto">
-              <a:spcBef>
-                <a:spcPts val="0"/>
-              </a:spcBef>
-              <a:spcAft>
-                <a:spcPts val="0"/>
-              </a:spcAft>
-              <a:defRPr kumimoji="0" sz="1200">
+            <a:lvl1pPr algn="ctr">
+              <a:defRPr sz="1600">
                 <a:solidFill>
                   <a:schemeClr val="tx1">
                     <a:tint val="75000"/>
                   </a:schemeClr>
                 </a:solidFill>
-                <a:latin typeface="+mn-lt"/>
-                <a:ea typeface="+mn-ea"/>
               </a:defRPr>
             </a:lvl1pPr>
           </a:lstStyle>
@@ -2898,7 +2795,7 @@
       </p:sp>
       <p:sp>
         <p:nvSpPr>
-          <p:cNvPr id="6" name="Slide Number Placeholder 5"/>
+          <p:cNvPr id="6" name="投影片編號版面配置區 5"/>
           <p:cNvSpPr>
             <a:spLocks noGrp="1"/>
           </p:cNvSpPr>
@@ -2908,8 +2805,8 @@
         </p:nvSpPr>
         <p:spPr>
           <a:xfrm>
-            <a:off x="6553200" y="6356350"/>
-            <a:ext cx="2133600" cy="365125"/>
+            <a:off x="8737600" y="6356351"/>
+            <a:ext cx="2844800" cy="365125"/>
           </a:xfrm>
           <a:prstGeom prst="rect">
             <a:avLst/>
@@ -2918,21 +2815,13 @@
         <p:txBody>
           <a:bodyPr vert="horz" lIns="91440" tIns="45720" rIns="91440" bIns="45720" rtlCol="0" anchor="ctr"/>
           <a:lstStyle>
-            <a:lvl1pPr algn="r" fontAlgn="auto">
-              <a:spcBef>
-                <a:spcPts val="0"/>
-              </a:spcBef>
-              <a:spcAft>
-                <a:spcPts val="0"/>
-              </a:spcAft>
-              <a:defRPr kumimoji="0" sz="1200" smtClean="0">
+            <a:lvl1pPr algn="r">
+              <a:defRPr sz="1600">
                 <a:solidFill>
                   <a:schemeClr val="tx1">
                     <a:tint val="75000"/>
                   </a:schemeClr>
                 </a:solidFill>
-                <a:latin typeface="+mn-lt"/>
-                <a:ea typeface="+mn-ea"/>
               </a:defRPr>
             </a:lvl1pPr>
           </a:lstStyle>
@@ -2946,31 +2835,34 @@
         </p:txBody>
       </p:sp>
     </p:spTree>
+    <p:extLst>
+      <p:ext uri="{BB962C8B-B14F-4D97-AF65-F5344CB8AC3E}">
+        <p14:creationId xmlns:p14="http://schemas.microsoft.com/office/powerpoint/2010/main" val="169370701"/>
+      </p:ext>
+    </p:extLst>
   </p:cSld>
   <p:clrMap bg1="lt1" tx1="dk1" bg2="lt2" tx2="dk2" accent1="accent1" accent2="accent2" accent3="accent3" accent4="accent4" accent5="accent5" accent6="accent6" hlink="hlink" folHlink="folHlink"/>
   <p:sldLayoutIdLst>
-    <p:sldLayoutId id="2147483661" r:id="rId1"/>
-    <p:sldLayoutId id="2147483662" r:id="rId2"/>
-    <p:sldLayoutId id="2147483663" r:id="rId3"/>
-    <p:sldLayoutId id="2147483664" r:id="rId4"/>
-    <p:sldLayoutId id="2147483665" r:id="rId5"/>
-    <p:sldLayoutId id="2147483666" r:id="rId6"/>
-    <p:sldLayoutId id="2147483667" r:id="rId7"/>
-    <p:sldLayoutId id="2147483668" r:id="rId8"/>
-    <p:sldLayoutId id="2147483669" r:id="rId9"/>
-    <p:sldLayoutId id="2147483670" r:id="rId10"/>
-    <p:sldLayoutId id="2147483671" r:id="rId11"/>
+    <p:sldLayoutId id="2147483673" r:id="rId1"/>
+    <p:sldLayoutId id="2147483674" r:id="rId2"/>
+    <p:sldLayoutId id="2147483675" r:id="rId3"/>
+    <p:sldLayoutId id="2147483676" r:id="rId4"/>
+    <p:sldLayoutId id="2147483677" r:id="rId5"/>
+    <p:sldLayoutId id="2147483678" r:id="rId6"/>
+    <p:sldLayoutId id="2147483679" r:id="rId7"/>
+    <p:sldLayoutId id="2147483680" r:id="rId8"/>
+    <p:sldLayoutId id="2147483681" r:id="rId9"/>
+    <p:sldLayoutId id="2147483682" r:id="rId10"/>
+    <p:sldLayoutId id="2147483683" r:id="rId11"/>
   </p:sldLayoutIdLst>
   <p:txStyles>
     <p:titleStyle>
-      <a:lvl1pPr algn="ctr" rtl="0" eaLnBrk="1" fontAlgn="base" hangingPunct="1">
+      <a:lvl1pPr algn="ctr" defTabSz="1219170" rtl="0" eaLnBrk="1" latinLnBrk="0" hangingPunct="1">
         <a:spcBef>
           <a:spcPct val="0"/>
         </a:spcBef>
-        <a:spcAft>
-          <a:spcPct val="0"/>
-        </a:spcAft>
-        <a:defRPr sz="4400" kern="1200">
+        <a:buNone/>
+        <a:defRPr sz="5867" kern="1200">
           <a:solidFill>
             <a:schemeClr val="tx1"/>
           </a:solidFill>
@@ -2979,128 +2871,43 @@
           <a:cs typeface="+mj-cs"/>
         </a:defRPr>
       </a:lvl1pPr>
-      <a:lvl2pPr algn="ctr" rtl="0" eaLnBrk="1" fontAlgn="base" hangingPunct="1">
+    </p:titleStyle>
+    <p:bodyStyle>
+      <a:lvl1pPr marL="457189" indent="-457189" algn="l" defTabSz="1219170" rtl="0" eaLnBrk="1" latinLnBrk="0" hangingPunct="1">
         <a:spcBef>
-          <a:spcPct val="0"/>
+          <a:spcPct val="20000"/>
         </a:spcBef>
-        <a:spcAft>
-          <a:spcPct val="0"/>
-        </a:spcAft>
-        <a:defRPr sz="4400">
+        <a:buFont typeface="Arial" pitchFamily="34" charset="0"/>
+        <a:buChar char="•"/>
+        <a:defRPr sz="4267" kern="1200">
           <a:solidFill>
             <a:schemeClr val="tx1"/>
           </a:solidFill>
-          <a:latin typeface="Calibri" pitchFamily="34" charset="0"/>
+          <a:latin typeface="+mn-lt"/>
+          <a:ea typeface="+mn-ea"/>
+          <a:cs typeface="+mn-cs"/>
         </a:defRPr>
-      </a:lvl2pPr>
-      <a:lvl3pPr algn="ctr" rtl="0" eaLnBrk="1" fontAlgn="base" hangingPunct="1">
+      </a:lvl1pPr>
+      <a:lvl2pPr marL="990575" indent="-380990" algn="l" defTabSz="1219170" rtl="0" eaLnBrk="1" latinLnBrk="0" hangingPunct="1">
         <a:spcBef>
-          <a:spcPct val="0"/>
+          <a:spcPct val="20000"/>
         </a:spcBef>
-        <a:spcAft>
-          <a:spcPct val="0"/>
-        </a:spcAft>
-        <a:defRPr sz="4400">
+        <a:buFont typeface="Arial" pitchFamily="34" charset="0"/>
+        <a:buChar char="–"/>
+        <a:defRPr sz="3733" kern="1200">
           <a:solidFill>
             <a:schemeClr val="tx1"/>
           </a:solidFill>
-          <a:latin typeface="Calibri" pitchFamily="34" charset="0"/>
+          <a:latin typeface="+mn-lt"/>
+          <a:ea typeface="+mn-ea"/>
+          <a:cs typeface="+mn-cs"/>
         </a:defRPr>
-      </a:lvl3pPr>
-      <a:lvl4pPr algn="ctr" rtl="0" eaLnBrk="1" fontAlgn="base" hangingPunct="1">
-        <a:spcBef>
-          <a:spcPct val="0"/>
-        </a:spcBef>
-        <a:spcAft>
-          <a:spcPct val="0"/>
-        </a:spcAft>
-        <a:defRPr sz="4400">
-          <a:solidFill>
-            <a:schemeClr val="tx1"/>
-          </a:solidFill>
-          <a:latin typeface="Calibri" pitchFamily="34" charset="0"/>
-        </a:defRPr>
-      </a:lvl4pPr>
-      <a:lvl5pPr algn="ctr" rtl="0" eaLnBrk="1" fontAlgn="base" hangingPunct="1">
-        <a:spcBef>
-          <a:spcPct val="0"/>
-        </a:spcBef>
-        <a:spcAft>
-          <a:spcPct val="0"/>
-        </a:spcAft>
-        <a:defRPr sz="4400">
-          <a:solidFill>
-            <a:schemeClr val="tx1"/>
-          </a:solidFill>
-          <a:latin typeface="Calibri" pitchFamily="34" charset="0"/>
-        </a:defRPr>
-      </a:lvl5pPr>
-      <a:lvl6pPr marL="457200" algn="ctr" rtl="0" eaLnBrk="1" fontAlgn="base" hangingPunct="1">
-        <a:spcBef>
-          <a:spcPct val="0"/>
-        </a:spcBef>
-        <a:spcAft>
-          <a:spcPct val="0"/>
-        </a:spcAft>
-        <a:defRPr sz="4400">
-          <a:solidFill>
-            <a:schemeClr val="tx1"/>
-          </a:solidFill>
-          <a:latin typeface="Calibri" pitchFamily="34" charset="0"/>
-        </a:defRPr>
-      </a:lvl6pPr>
-      <a:lvl7pPr marL="914400" algn="ctr" rtl="0" eaLnBrk="1" fontAlgn="base" hangingPunct="1">
-        <a:spcBef>
-          <a:spcPct val="0"/>
-        </a:spcBef>
-        <a:spcAft>
-          <a:spcPct val="0"/>
-        </a:spcAft>
-        <a:defRPr sz="4400">
-          <a:solidFill>
-            <a:schemeClr val="tx1"/>
-          </a:solidFill>
-          <a:latin typeface="Calibri" pitchFamily="34" charset="0"/>
-        </a:defRPr>
-      </a:lvl7pPr>
-      <a:lvl8pPr marL="1371600" algn="ctr" rtl="0" eaLnBrk="1" fontAlgn="base" hangingPunct="1">
-        <a:spcBef>
-          <a:spcPct val="0"/>
-        </a:spcBef>
-        <a:spcAft>
-          <a:spcPct val="0"/>
-        </a:spcAft>
-        <a:defRPr sz="4400">
-          <a:solidFill>
-            <a:schemeClr val="tx1"/>
-          </a:solidFill>
-          <a:latin typeface="Calibri" pitchFamily="34" charset="0"/>
-        </a:defRPr>
-      </a:lvl8pPr>
-      <a:lvl9pPr marL="1828800" algn="ctr" rtl="0" eaLnBrk="1" fontAlgn="base" hangingPunct="1">
-        <a:spcBef>
-          <a:spcPct val="0"/>
-        </a:spcBef>
-        <a:spcAft>
-          <a:spcPct val="0"/>
-        </a:spcAft>
-        <a:defRPr sz="4400">
-          <a:solidFill>
-            <a:schemeClr val="tx1"/>
-          </a:solidFill>
-          <a:latin typeface="Calibri" pitchFamily="34" charset="0"/>
-        </a:defRPr>
-      </a:lvl9pPr>
-    </p:titleStyle>
-    <p:bodyStyle>
-      <a:lvl1pPr marL="342900" indent="-342900" algn="l" rtl="0" eaLnBrk="1" fontAlgn="base" hangingPunct="1">
+      </a:lvl2pPr>
+      <a:lvl3pPr marL="1523962" indent="-304792" algn="l" defTabSz="1219170" rtl="0" eaLnBrk="1" latinLnBrk="0" hangingPunct="1">
         <a:spcBef>
           <a:spcPct val="20000"/>
         </a:spcBef>
-        <a:spcAft>
-          <a:spcPct val="0"/>
-        </a:spcAft>
-        <a:buFont typeface="Arial" charset="0"/>
+        <a:buFont typeface="Arial" pitchFamily="34" charset="0"/>
         <a:buChar char="•"/>
         <a:defRPr sz="3200" kern="1200">
           <a:solidFill>
@@ -3110,53 +2917,14 @@
           <a:ea typeface="+mn-ea"/>
           <a:cs typeface="+mn-cs"/>
         </a:defRPr>
-      </a:lvl1pPr>
-      <a:lvl2pPr marL="742950" indent="-285750" algn="l" rtl="0" eaLnBrk="1" fontAlgn="base" hangingPunct="1">
+      </a:lvl3pPr>
+      <a:lvl4pPr marL="2133547" indent="-304792" algn="l" defTabSz="1219170" rtl="0" eaLnBrk="1" latinLnBrk="0" hangingPunct="1">
         <a:spcBef>
           <a:spcPct val="20000"/>
         </a:spcBef>
-        <a:spcAft>
-          <a:spcPct val="0"/>
-        </a:spcAft>
-        <a:buFont typeface="Arial" charset="0"/>
+        <a:buFont typeface="Arial" pitchFamily="34" charset="0"/>
         <a:buChar char="–"/>
-        <a:defRPr sz="2800" kern="1200">
-          <a:solidFill>
-            <a:schemeClr val="tx1"/>
-          </a:solidFill>
-          <a:latin typeface="+mn-lt"/>
-          <a:ea typeface="+mn-ea"/>
-          <a:cs typeface="+mn-cs"/>
-        </a:defRPr>
-      </a:lvl2pPr>
-      <a:lvl3pPr marL="1143000" indent="-228600" algn="l" rtl="0" eaLnBrk="1" fontAlgn="base" hangingPunct="1">
-        <a:spcBef>
-          <a:spcPct val="20000"/>
-        </a:spcBef>
-        <a:spcAft>
-          <a:spcPct val="0"/>
-        </a:spcAft>
-        <a:buFont typeface="Arial" charset="0"/>
-        <a:buChar char="•"/>
-        <a:defRPr sz="2400" kern="1200">
-          <a:solidFill>
-            <a:schemeClr val="tx1"/>
-          </a:solidFill>
-          <a:latin typeface="+mn-lt"/>
-          <a:ea typeface="+mn-ea"/>
-          <a:cs typeface="+mn-cs"/>
-        </a:defRPr>
-      </a:lvl3pPr>
-      <a:lvl4pPr marL="1600200" indent="-228600" algn="l" rtl="0" eaLnBrk="1" fontAlgn="base" hangingPunct="1">
-        <a:spcBef>
-          <a:spcPct val="20000"/>
-        </a:spcBef>
-        <a:spcAft>
-          <a:spcPct val="0"/>
-        </a:spcAft>
-        <a:buFont typeface="Arial" charset="0"/>
-        <a:buChar char="–"/>
-        <a:defRPr sz="2000" kern="1200">
+        <a:defRPr sz="2667" kern="1200">
           <a:solidFill>
             <a:schemeClr val="tx1"/>
           </a:solidFill>
@@ -3165,16 +2933,13 @@
           <a:cs typeface="+mn-cs"/>
         </a:defRPr>
       </a:lvl4pPr>
-      <a:lvl5pPr marL="2057400" indent="-228600" algn="l" rtl="0" eaLnBrk="1" fontAlgn="base" hangingPunct="1">
+      <a:lvl5pPr marL="2743131" indent="-304792" algn="l" defTabSz="1219170" rtl="0" eaLnBrk="1" latinLnBrk="0" hangingPunct="1">
         <a:spcBef>
           <a:spcPct val="20000"/>
         </a:spcBef>
-        <a:spcAft>
-          <a:spcPct val="0"/>
-        </a:spcAft>
-        <a:buFont typeface="Arial" charset="0"/>
+        <a:buFont typeface="Arial" pitchFamily="34" charset="0"/>
         <a:buChar char="»"/>
-        <a:defRPr sz="2000" kern="1200">
+        <a:defRPr sz="2667" kern="1200">
           <a:solidFill>
             <a:schemeClr val="tx1"/>
           </a:solidFill>
@@ -3183,13 +2948,13 @@
           <a:cs typeface="+mn-cs"/>
         </a:defRPr>
       </a:lvl5pPr>
-      <a:lvl6pPr marL="2514600" indent="-228600" algn="l" defTabSz="914400" rtl="0" eaLnBrk="1" latinLnBrk="0" hangingPunct="1">
+      <a:lvl6pPr marL="3352716" indent="-304792" algn="l" defTabSz="1219170" rtl="0" eaLnBrk="1" latinLnBrk="0" hangingPunct="1">
         <a:spcBef>
           <a:spcPct val="20000"/>
         </a:spcBef>
         <a:buFont typeface="Arial" pitchFamily="34" charset="0"/>
         <a:buChar char="•"/>
-        <a:defRPr sz="2000" kern="1200">
+        <a:defRPr sz="2667" kern="1200">
           <a:solidFill>
             <a:schemeClr val="tx1"/>
           </a:solidFill>
@@ -3198,13 +2963,13 @@
           <a:cs typeface="+mn-cs"/>
         </a:defRPr>
       </a:lvl6pPr>
-      <a:lvl7pPr marL="2971800" indent="-228600" algn="l" defTabSz="914400" rtl="0" eaLnBrk="1" latinLnBrk="0" hangingPunct="1">
+      <a:lvl7pPr marL="3962301" indent="-304792" algn="l" defTabSz="1219170" rtl="0" eaLnBrk="1" latinLnBrk="0" hangingPunct="1">
         <a:spcBef>
           <a:spcPct val="20000"/>
         </a:spcBef>
         <a:buFont typeface="Arial" pitchFamily="34" charset="0"/>
         <a:buChar char="•"/>
-        <a:defRPr sz="2000" kern="1200">
+        <a:defRPr sz="2667" kern="1200">
           <a:solidFill>
             <a:schemeClr val="tx1"/>
           </a:solidFill>
@@ -3213,13 +2978,13 @@
           <a:cs typeface="+mn-cs"/>
         </a:defRPr>
       </a:lvl7pPr>
-      <a:lvl8pPr marL="3429000" indent="-228600" algn="l" defTabSz="914400" rtl="0" eaLnBrk="1" latinLnBrk="0" hangingPunct="1">
+      <a:lvl8pPr marL="4571886" indent="-304792" algn="l" defTabSz="1219170" rtl="0" eaLnBrk="1" latinLnBrk="0" hangingPunct="1">
         <a:spcBef>
           <a:spcPct val="20000"/>
         </a:spcBef>
         <a:buFont typeface="Arial" pitchFamily="34" charset="0"/>
         <a:buChar char="•"/>
-        <a:defRPr sz="2000" kern="1200">
+        <a:defRPr sz="2667" kern="1200">
           <a:solidFill>
             <a:schemeClr val="tx1"/>
           </a:solidFill>
@@ -3228,13 +2993,13 @@
           <a:cs typeface="+mn-cs"/>
         </a:defRPr>
       </a:lvl8pPr>
-      <a:lvl9pPr marL="3886200" indent="-228600" algn="l" defTabSz="914400" rtl="0" eaLnBrk="1" latinLnBrk="0" hangingPunct="1">
+      <a:lvl9pPr marL="5181470" indent="-304792" algn="l" defTabSz="1219170" rtl="0" eaLnBrk="1" latinLnBrk="0" hangingPunct="1">
         <a:spcBef>
           <a:spcPct val="20000"/>
         </a:spcBef>
         <a:buFont typeface="Arial" pitchFamily="34" charset="0"/>
         <a:buChar char="•"/>
-        <a:defRPr sz="2000" kern="1200">
+        <a:defRPr sz="2667" kern="1200">
           <a:solidFill>
             <a:schemeClr val="tx1"/>
           </a:solidFill>
@@ -3246,10 +3011,10 @@
     </p:bodyStyle>
     <p:otherStyle>
       <a:defPPr>
-        <a:defRPr lang="en-US"/>
+        <a:defRPr lang="zh-TW"/>
       </a:defPPr>
-      <a:lvl1pPr marL="0" algn="l" defTabSz="914400" rtl="0" eaLnBrk="1" latinLnBrk="0" hangingPunct="1">
-        <a:defRPr sz="1800" kern="1200">
+      <a:lvl1pPr marL="0" algn="l" defTabSz="1219170" rtl="0" eaLnBrk="1" latinLnBrk="0" hangingPunct="1">
+        <a:defRPr sz="2400" kern="1200">
           <a:solidFill>
             <a:schemeClr val="tx1"/>
           </a:solidFill>
@@ -3258,8 +3023,8 @@
           <a:cs typeface="+mn-cs"/>
         </a:defRPr>
       </a:lvl1pPr>
-      <a:lvl2pPr marL="457200" algn="l" defTabSz="914400" rtl="0" eaLnBrk="1" latinLnBrk="0" hangingPunct="1">
-        <a:defRPr sz="1800" kern="1200">
+      <a:lvl2pPr marL="609585" algn="l" defTabSz="1219170" rtl="0" eaLnBrk="1" latinLnBrk="0" hangingPunct="1">
+        <a:defRPr sz="2400" kern="1200">
           <a:solidFill>
             <a:schemeClr val="tx1"/>
           </a:solidFill>
@@ -3268,8 +3033,8 @@
           <a:cs typeface="+mn-cs"/>
         </a:defRPr>
       </a:lvl2pPr>
-      <a:lvl3pPr marL="914400" algn="l" defTabSz="914400" rtl="0" eaLnBrk="1" latinLnBrk="0" hangingPunct="1">
-        <a:defRPr sz="1800" kern="1200">
+      <a:lvl3pPr marL="1219170" algn="l" defTabSz="1219170" rtl="0" eaLnBrk="1" latinLnBrk="0" hangingPunct="1">
+        <a:defRPr sz="2400" kern="1200">
           <a:solidFill>
             <a:schemeClr val="tx1"/>
           </a:solidFill>
@@ -3278,8 +3043,8 @@
           <a:cs typeface="+mn-cs"/>
         </a:defRPr>
       </a:lvl3pPr>
-      <a:lvl4pPr marL="1371600" algn="l" defTabSz="914400" rtl="0" eaLnBrk="1" latinLnBrk="0" hangingPunct="1">
-        <a:defRPr sz="1800" kern="1200">
+      <a:lvl4pPr marL="1828754" algn="l" defTabSz="1219170" rtl="0" eaLnBrk="1" latinLnBrk="0" hangingPunct="1">
+        <a:defRPr sz="2400" kern="1200">
           <a:solidFill>
             <a:schemeClr val="tx1"/>
           </a:solidFill>
@@ -3288,8 +3053,8 @@
           <a:cs typeface="+mn-cs"/>
         </a:defRPr>
       </a:lvl4pPr>
-      <a:lvl5pPr marL="1828800" algn="l" defTabSz="914400" rtl="0" eaLnBrk="1" latinLnBrk="0" hangingPunct="1">
-        <a:defRPr sz="1800" kern="1200">
+      <a:lvl5pPr marL="2438339" algn="l" defTabSz="1219170" rtl="0" eaLnBrk="1" latinLnBrk="0" hangingPunct="1">
+        <a:defRPr sz="2400" kern="1200">
           <a:solidFill>
             <a:schemeClr val="tx1"/>
           </a:solidFill>
@@ -3298,8 +3063,8 @@
           <a:cs typeface="+mn-cs"/>
         </a:defRPr>
       </a:lvl5pPr>
-      <a:lvl6pPr marL="2286000" algn="l" defTabSz="914400" rtl="0" eaLnBrk="1" latinLnBrk="0" hangingPunct="1">
-        <a:defRPr sz="1800" kern="1200">
+      <a:lvl6pPr marL="3047924" algn="l" defTabSz="1219170" rtl="0" eaLnBrk="1" latinLnBrk="0" hangingPunct="1">
+        <a:defRPr sz="2400" kern="1200">
           <a:solidFill>
             <a:schemeClr val="tx1"/>
           </a:solidFill>
@@ -3308,8 +3073,8 @@
           <a:cs typeface="+mn-cs"/>
         </a:defRPr>
       </a:lvl6pPr>
-      <a:lvl7pPr marL="2743200" algn="l" defTabSz="914400" rtl="0" eaLnBrk="1" latinLnBrk="0" hangingPunct="1">
-        <a:defRPr sz="1800" kern="1200">
+      <a:lvl7pPr marL="3657509" algn="l" defTabSz="1219170" rtl="0" eaLnBrk="1" latinLnBrk="0" hangingPunct="1">
+        <a:defRPr sz="2400" kern="1200">
           <a:solidFill>
             <a:schemeClr val="tx1"/>
           </a:solidFill>
@@ -3318,8 +3083,8 @@
           <a:cs typeface="+mn-cs"/>
         </a:defRPr>
       </a:lvl7pPr>
-      <a:lvl8pPr marL="3200400" algn="l" defTabSz="914400" rtl="0" eaLnBrk="1" latinLnBrk="0" hangingPunct="1">
-        <a:defRPr sz="1800" kern="1200">
+      <a:lvl8pPr marL="4267093" algn="l" defTabSz="1219170" rtl="0" eaLnBrk="1" latinLnBrk="0" hangingPunct="1">
+        <a:defRPr sz="2400" kern="1200">
           <a:solidFill>
             <a:schemeClr val="tx1"/>
           </a:solidFill>
@@ -3328,8 +3093,8 @@
           <a:cs typeface="+mn-cs"/>
         </a:defRPr>
       </a:lvl8pPr>
-      <a:lvl9pPr marL="3657600" algn="l" defTabSz="914400" rtl="0" eaLnBrk="1" latinLnBrk="0" hangingPunct="1">
-        <a:defRPr sz="1800" kern="1200">
+      <a:lvl9pPr marL="4876678" algn="l" defTabSz="1219170" rtl="0" eaLnBrk="1" latinLnBrk="0" hangingPunct="1">
+        <a:defRPr sz="2400" kern="1200">
           <a:solidFill>
             <a:schemeClr val="tx1"/>
           </a:solidFill>
@@ -3372,14 +3137,22 @@
         </p:nvSpPr>
         <p:spPr/>
         <p:txBody>
-          <a:bodyPr/>
-          <a:lstStyle/>
-          <a:p>
-            <a:r>
-              <a:rPr lang="zh-TW" altLang="en-US" dirty="0" smtClean="0"/>
+          <a:bodyPr>
+            <a:normAutofit/>
+          </a:bodyPr>
+          <a:lstStyle/>
+          <a:p>
+            <a:r>
+              <a:rPr lang="zh-TW" altLang="en-US" sz="4800" b="1" dirty="0" smtClean="0">
+                <a:latin typeface="Microsoft JhengHei" panose="020B0604030504040204" pitchFamily="34" charset="-120"/>
+                <a:ea typeface="Microsoft JhengHei" panose="020B0604030504040204" pitchFamily="34" charset="-120"/>
+              </a:rPr>
               <a:t>愛與被愛</a:t>
             </a:r>
-            <a:endParaRPr lang="zh-TW" altLang="en-US" dirty="0"/>
+            <a:endParaRPr lang="zh-TW" altLang="en-US" sz="4800" b="1" dirty="0">
+              <a:latin typeface="Microsoft JhengHei" panose="020B0604030504040204" pitchFamily="34" charset="-120"/>
+              <a:ea typeface="Microsoft JhengHei" panose="020B0604030504040204" pitchFamily="34" charset="-120"/>
+            </a:endParaRPr>
           </a:p>
         </p:txBody>
       </p:sp>
@@ -3396,7 +3169,7 @@
         <p:spPr>
           <a:xfrm>
             <a:off x="0" y="1600200"/>
-            <a:ext cx="9144000" cy="5257800"/>
+            <a:ext cx="12192000" cy="5257800"/>
           </a:xfrm>
         </p:spPr>
         <p:txBody>
@@ -3409,77 +3182,128 @@
               <a:buNone/>
             </a:pPr>
             <a:r>
-              <a:rPr lang="zh-TW" altLang="en-US" sz="5400" dirty="0"/>
+              <a:rPr lang="zh-TW" altLang="en-US" sz="5400" b="1" dirty="0">
+                <a:latin typeface="Microsoft JhengHei" panose="020B0604030504040204" pitchFamily="34" charset="-120"/>
+                <a:ea typeface="Microsoft JhengHei" panose="020B0604030504040204" pitchFamily="34" charset="-120"/>
+              </a:rPr>
               <a:t>愛與被</a:t>
             </a:r>
             <a:r>
-              <a:rPr lang="zh-TW" altLang="en-US" sz="5400" dirty="0" smtClean="0"/>
+              <a:rPr lang="zh-TW" altLang="en-US" sz="5400" b="1" dirty="0">
+                <a:latin typeface="Microsoft JhengHei" panose="020B0604030504040204" pitchFamily="34" charset="-120"/>
+                <a:ea typeface="Microsoft JhengHei" panose="020B0604030504040204" pitchFamily="34" charset="-120"/>
+              </a:rPr>
               <a:t>愛數不清</a:t>
             </a:r>
             <a:r>
-              <a:rPr lang="zh-TW" altLang="en-US" sz="5400" dirty="0"/>
+              <a:rPr lang="zh-TW" altLang="en-US" sz="5400" b="1" dirty="0">
+                <a:latin typeface="Microsoft JhengHei" panose="020B0604030504040204" pitchFamily="34" charset="-120"/>
+                <a:ea typeface="Microsoft JhengHei" panose="020B0604030504040204" pitchFamily="34" charset="-120"/>
+              </a:rPr>
               <a:t>的交織的</a:t>
             </a:r>
             <a:r>
-              <a:rPr lang="zh-TW" altLang="en-US" sz="5400" dirty="0" smtClean="0"/>
+              <a:rPr lang="zh-TW" altLang="en-US" sz="5400" b="1" dirty="0">
+                <a:latin typeface="Microsoft JhengHei" panose="020B0604030504040204" pitchFamily="34" charset="-120"/>
+                <a:ea typeface="Microsoft JhengHei" panose="020B0604030504040204" pitchFamily="34" charset="-120"/>
+              </a:rPr>
               <a:t>網</a:t>
             </a:r>
-            <a:endParaRPr lang="en-US" altLang="zh-TW" sz="5400" dirty="0"/>
+            <a:endParaRPr lang="en-US" altLang="zh-TW" sz="5400" b="1" dirty="0">
+              <a:latin typeface="Microsoft JhengHei" panose="020B0604030504040204" pitchFamily="34" charset="-120"/>
+              <a:ea typeface="Microsoft JhengHei" panose="020B0604030504040204" pitchFamily="34" charset="-120"/>
+            </a:endParaRPr>
           </a:p>
           <a:p>
             <a:pPr algn="ctr">
               <a:buNone/>
             </a:pPr>
             <a:r>
-              <a:rPr lang="zh-TW" altLang="en-US" sz="5400" dirty="0" smtClean="0"/>
+              <a:rPr lang="zh-TW" altLang="en-US" sz="5400" b="1" dirty="0">
+                <a:latin typeface="Microsoft JhengHei" panose="020B0604030504040204" pitchFamily="34" charset="-120"/>
+                <a:ea typeface="Microsoft JhengHei" panose="020B0604030504040204" pitchFamily="34" charset="-120"/>
+              </a:rPr>
               <a:t>怎會</a:t>
             </a:r>
             <a:r>
-              <a:rPr lang="zh-TW" altLang="en-US" sz="5400" dirty="0"/>
+              <a:rPr lang="zh-TW" altLang="en-US" sz="5400" b="1" dirty="0">
+                <a:latin typeface="Microsoft JhengHei" panose="020B0604030504040204" pitchFamily="34" charset="-120"/>
+                <a:ea typeface="Microsoft JhengHei" panose="020B0604030504040204" pitchFamily="34" charset="-120"/>
+              </a:rPr>
               <a:t>教人說</a:t>
             </a:r>
             <a:r>
-              <a:rPr lang="zh-TW" altLang="en-US" sz="5400" dirty="0" smtClean="0"/>
+              <a:rPr lang="zh-TW" altLang="en-US" sz="5400" b="1" dirty="0">
+                <a:latin typeface="Microsoft JhengHei" panose="020B0604030504040204" pitchFamily="34" charset="-120"/>
+                <a:ea typeface="Microsoft JhengHei" panose="020B0604030504040204" pitchFamily="34" charset="-120"/>
+              </a:rPr>
               <a:t>精采</a:t>
             </a:r>
-            <a:endParaRPr lang="en-US" altLang="zh-TW" sz="5400" dirty="0" smtClean="0"/>
+            <a:endParaRPr lang="en-US" altLang="zh-TW" sz="5400" b="1" dirty="0">
+              <a:latin typeface="Microsoft JhengHei" panose="020B0604030504040204" pitchFamily="34" charset="-120"/>
+              <a:ea typeface="Microsoft JhengHei" panose="020B0604030504040204" pitchFamily="34" charset="-120"/>
+            </a:endParaRPr>
           </a:p>
           <a:p>
             <a:pPr algn="ctr">
               <a:buNone/>
             </a:pPr>
             <a:r>
-              <a:rPr lang="zh-TW" altLang="en-US" sz="5400" dirty="0" smtClean="0"/>
+              <a:rPr lang="zh-TW" altLang="en-US" sz="5400" b="1" dirty="0">
+                <a:latin typeface="Microsoft JhengHei" panose="020B0604030504040204" pitchFamily="34" charset="-120"/>
+                <a:ea typeface="Microsoft JhengHei" panose="020B0604030504040204" pitchFamily="34" charset="-120"/>
+              </a:rPr>
               <a:t>愛</a:t>
             </a:r>
             <a:r>
-              <a:rPr lang="zh-TW" altLang="en-US" sz="5400" dirty="0"/>
+              <a:rPr lang="zh-TW" altLang="en-US" sz="5400" b="1" dirty="0">
+                <a:latin typeface="Microsoft JhengHei" panose="020B0604030504040204" pitchFamily="34" charset="-120"/>
+                <a:ea typeface="Microsoft JhengHei" panose="020B0604030504040204" pitchFamily="34" charset="-120"/>
+              </a:rPr>
               <a:t>與被</a:t>
             </a:r>
             <a:r>
-              <a:rPr lang="zh-TW" altLang="en-US" sz="5400" dirty="0" smtClean="0"/>
+              <a:rPr lang="zh-TW" altLang="en-US" sz="5400" b="1" dirty="0">
+                <a:latin typeface="Microsoft JhengHei" panose="020B0604030504040204" pitchFamily="34" charset="-120"/>
+                <a:ea typeface="Microsoft JhengHei" panose="020B0604030504040204" pitchFamily="34" charset="-120"/>
+              </a:rPr>
               <a:t>愛  真心真意</a:t>
             </a:r>
             <a:r>
-              <a:rPr lang="zh-TW" altLang="en-US" sz="5400" dirty="0"/>
+              <a:rPr lang="zh-TW" altLang="en-US" sz="5400" b="1" dirty="0">
+                <a:latin typeface="Microsoft JhengHei" panose="020B0604030504040204" pitchFamily="34" charset="-120"/>
+                <a:ea typeface="Microsoft JhengHei" panose="020B0604030504040204" pitchFamily="34" charset="-120"/>
+              </a:rPr>
               <a:t>珍惜</a:t>
             </a:r>
             <a:r>
-              <a:rPr lang="zh-TW" altLang="en-US" sz="5400" dirty="0" smtClean="0"/>
+              <a:rPr lang="zh-TW" altLang="en-US" sz="5400" b="1" dirty="0">
+                <a:latin typeface="Microsoft JhengHei" panose="020B0604030504040204" pitchFamily="34" charset="-120"/>
+                <a:ea typeface="Microsoft JhengHei" panose="020B0604030504040204" pitchFamily="34" charset="-120"/>
+              </a:rPr>
               <a:t>珍貴</a:t>
             </a:r>
-            <a:endParaRPr lang="en-US" altLang="zh-TW" sz="5400" dirty="0" smtClean="0"/>
+            <a:endParaRPr lang="en-US" altLang="zh-TW" sz="5400" b="1" dirty="0">
+              <a:latin typeface="Microsoft JhengHei" panose="020B0604030504040204" pitchFamily="34" charset="-120"/>
+              <a:ea typeface="Microsoft JhengHei" panose="020B0604030504040204" pitchFamily="34" charset="-120"/>
+            </a:endParaRPr>
           </a:p>
           <a:p>
             <a:pPr algn="ctr">
               <a:buNone/>
             </a:pPr>
             <a:r>
-              <a:rPr lang="zh-TW" altLang="en-US" sz="5400" dirty="0" smtClean="0"/>
+              <a:rPr lang="zh-TW" altLang="en-US" sz="5400" b="1" dirty="0">
+                <a:latin typeface="Microsoft JhengHei" panose="020B0604030504040204" pitchFamily="34" charset="-120"/>
+                <a:ea typeface="Microsoft JhengHei" panose="020B0604030504040204" pitchFamily="34" charset="-120"/>
+              </a:rPr>
               <a:t>只怕</a:t>
             </a:r>
             <a:r>
-              <a:rPr lang="zh-TW" altLang="en-US" sz="5400" dirty="0"/>
+              <a:rPr lang="zh-TW" altLang="en-US" sz="5400" b="1" dirty="0">
+                <a:latin typeface="Microsoft JhengHei" panose="020B0604030504040204" pitchFamily="34" charset="-120"/>
+                <a:ea typeface="Microsoft JhengHei" panose="020B0604030504040204" pitchFamily="34" charset="-120"/>
+              </a:rPr>
               <a:t>最難求是愛</a:t>
             </a:r>
           </a:p>
@@ -3522,14 +3346,22 @@
         </p:nvSpPr>
         <p:spPr/>
         <p:txBody>
-          <a:bodyPr/>
-          <a:lstStyle/>
-          <a:p>
-            <a:r>
-              <a:rPr lang="zh-TW" altLang="en-US" dirty="0" smtClean="0"/>
+          <a:bodyPr>
+            <a:normAutofit/>
+          </a:bodyPr>
+          <a:lstStyle/>
+          <a:p>
+            <a:r>
+              <a:rPr lang="zh-TW" altLang="en-US" sz="4800" b="1" dirty="0">
+                <a:latin typeface="Microsoft JhengHei" panose="020B0604030504040204" pitchFamily="34" charset="-120"/>
+                <a:ea typeface="Microsoft JhengHei" panose="020B0604030504040204" pitchFamily="34" charset="-120"/>
+              </a:rPr>
               <a:t>愛與被愛</a:t>
             </a:r>
-            <a:endParaRPr lang="zh-TW" altLang="en-US" dirty="0"/>
+            <a:endParaRPr lang="zh-TW" altLang="en-US" sz="4800" b="1" dirty="0">
+              <a:latin typeface="Microsoft JhengHei" panose="020B0604030504040204" pitchFamily="34" charset="-120"/>
+              <a:ea typeface="Microsoft JhengHei" panose="020B0604030504040204" pitchFamily="34" charset="-120"/>
+            </a:endParaRPr>
           </a:p>
         </p:txBody>
       </p:sp>
@@ -3545,7 +3377,7 @@
         </p:nvSpPr>
         <p:spPr>
           <a:xfrm>
-            <a:off x="0" y="1600200"/>
+            <a:off x="1524000" y="1600200"/>
             <a:ext cx="9144000" cy="5257800"/>
           </a:xfrm>
         </p:spPr>
@@ -3559,71 +3391,71 @@
               <a:buNone/>
             </a:pPr>
             <a:r>
-              <a:rPr lang="zh-TW" altLang="en-US" sz="5400" dirty="0"/>
-              <a:t>哀傷裡尋到</a:t>
-            </a:r>
-            <a:r>
-              <a:rPr lang="zh-TW" altLang="en-US" sz="5400" dirty="0" smtClean="0"/>
-              <a:t>擁抱</a:t>
-            </a:r>
-            <a:endParaRPr lang="en-US" altLang="zh-TW" sz="5400" dirty="0" smtClean="0"/>
+              <a:rPr lang="zh-TW" altLang="en-US" sz="5400" b="1" dirty="0">
+                <a:latin typeface="Microsoft JhengHei" panose="020B0604030504040204" pitchFamily="34" charset="-120"/>
+                <a:ea typeface="Microsoft JhengHei" panose="020B0604030504040204" pitchFamily="34" charset="-120"/>
+              </a:rPr>
+              <a:t>哀傷裡尋到擁抱</a:t>
+            </a:r>
+            <a:endParaRPr lang="en-US" altLang="zh-TW" sz="5400" b="1" dirty="0">
+              <a:latin typeface="Microsoft JhengHei" panose="020B0604030504040204" pitchFamily="34" charset="-120"/>
+              <a:ea typeface="Microsoft JhengHei" panose="020B0604030504040204" pitchFamily="34" charset="-120"/>
+            </a:endParaRPr>
           </a:p>
           <a:p>
             <a:pPr algn="ctr">
               <a:buNone/>
             </a:pPr>
             <a:r>
-              <a:rPr lang="zh-TW" altLang="en-US" sz="5400" dirty="0" smtClean="0"/>
-              <a:t>低谷</a:t>
-            </a:r>
-            <a:r>
-              <a:rPr lang="zh-TW" altLang="en-US" sz="5400" dirty="0"/>
-              <a:t>裡能夠</a:t>
-            </a:r>
-            <a:r>
-              <a:rPr lang="zh-TW" altLang="en-US" sz="5400" dirty="0" smtClean="0"/>
-              <a:t>升高</a:t>
-            </a:r>
-            <a:endParaRPr lang="en-US" altLang="zh-TW" sz="5400" dirty="0"/>
+              <a:rPr lang="zh-TW" altLang="en-US" sz="5400" b="1" dirty="0">
+                <a:latin typeface="Microsoft JhengHei" panose="020B0604030504040204" pitchFamily="34" charset="-120"/>
+                <a:ea typeface="Microsoft JhengHei" panose="020B0604030504040204" pitchFamily="34" charset="-120"/>
+              </a:rPr>
+              <a:t>低谷裡能夠升高</a:t>
+            </a:r>
+            <a:endParaRPr lang="en-US" altLang="zh-TW" sz="5400" b="1" dirty="0">
+              <a:latin typeface="Microsoft JhengHei" panose="020B0604030504040204" pitchFamily="34" charset="-120"/>
+              <a:ea typeface="Microsoft JhengHei" panose="020B0604030504040204" pitchFamily="34" charset="-120"/>
+            </a:endParaRPr>
           </a:p>
           <a:p>
             <a:pPr algn="ctr">
               <a:buNone/>
             </a:pPr>
             <a:r>
-              <a:rPr lang="zh-TW" altLang="en-US" sz="5400" dirty="0" smtClean="0"/>
-              <a:t>艱苦</a:t>
-            </a:r>
-            <a:r>
-              <a:rPr lang="zh-TW" altLang="en-US" sz="5400" dirty="0"/>
-              <a:t>裡能同心</a:t>
-            </a:r>
-            <a:r>
-              <a:rPr lang="zh-TW" altLang="en-US" sz="5400" dirty="0" smtClean="0"/>
-              <a:t>禱告</a:t>
-            </a:r>
-            <a:endParaRPr lang="en-US" altLang="zh-TW" sz="5400" dirty="0" smtClean="0"/>
+              <a:rPr lang="zh-TW" altLang="en-US" sz="5400" b="1" dirty="0">
+                <a:latin typeface="Microsoft JhengHei" panose="020B0604030504040204" pitchFamily="34" charset="-120"/>
+                <a:ea typeface="Microsoft JhengHei" panose="020B0604030504040204" pitchFamily="34" charset="-120"/>
+              </a:rPr>
+              <a:t>艱苦裡能同心禱告</a:t>
+            </a:r>
+            <a:endParaRPr lang="en-US" altLang="zh-TW" sz="5400" b="1" dirty="0">
+              <a:latin typeface="Microsoft JhengHei" panose="020B0604030504040204" pitchFamily="34" charset="-120"/>
+              <a:ea typeface="Microsoft JhengHei" panose="020B0604030504040204" pitchFamily="34" charset="-120"/>
+            </a:endParaRPr>
           </a:p>
           <a:p>
             <a:pPr algn="ctr">
               <a:buNone/>
             </a:pPr>
             <a:r>
-              <a:rPr lang="zh-TW" altLang="en-US" sz="5400" dirty="0" smtClean="0"/>
-              <a:t>在</a:t>
-            </a:r>
-            <a:r>
-              <a:rPr lang="zh-TW" altLang="en-US" sz="5400" dirty="0"/>
-              <a:t>跌倒時來</a:t>
-            </a:r>
-            <a:r>
-              <a:rPr lang="zh-TW" altLang="en-US" sz="5400" dirty="0" smtClean="0"/>
-              <a:t>鼓舞</a:t>
-            </a:r>
-            <a:br>
-              <a:rPr lang="zh-TW" altLang="en-US" sz="5400" dirty="0" smtClean="0"/>
-            </a:br>
-            <a:endParaRPr lang="zh-TW" altLang="en-US" sz="5400" dirty="0"/>
+              <a:rPr lang="zh-TW" altLang="en-US" sz="5400" b="1" dirty="0">
+                <a:latin typeface="Microsoft JhengHei" panose="020B0604030504040204" pitchFamily="34" charset="-120"/>
+                <a:ea typeface="Microsoft JhengHei" panose="020B0604030504040204" pitchFamily="34" charset="-120"/>
+              </a:rPr>
+              <a:t>在跌倒時來鼓</a:t>
+            </a:r>
+            <a:r>
+              <a:rPr lang="zh-TW" altLang="en-US" sz="5400" b="1" dirty="0" smtClean="0">
+                <a:latin typeface="Microsoft JhengHei" panose="020B0604030504040204" pitchFamily="34" charset="-120"/>
+                <a:ea typeface="Microsoft JhengHei" panose="020B0604030504040204" pitchFamily="34" charset="-120"/>
+              </a:rPr>
+              <a:t>舞</a:t>
+            </a:r>
+            <a:endParaRPr lang="zh-TW" altLang="en-US" sz="5400" b="1" dirty="0">
+              <a:latin typeface="Microsoft JhengHei" panose="020B0604030504040204" pitchFamily="34" charset="-120"/>
+              <a:ea typeface="Microsoft JhengHei" panose="020B0604030504040204" pitchFamily="34" charset="-120"/>
+            </a:endParaRPr>
           </a:p>
         </p:txBody>
       </p:sp>
@@ -3664,14 +3496,22 @@
         </p:nvSpPr>
         <p:spPr/>
         <p:txBody>
-          <a:bodyPr/>
-          <a:lstStyle/>
-          <a:p>
-            <a:r>
-              <a:rPr lang="zh-TW" altLang="en-US" dirty="0" smtClean="0"/>
+          <a:bodyPr>
+            <a:normAutofit/>
+          </a:bodyPr>
+          <a:lstStyle/>
+          <a:p>
+            <a:r>
+              <a:rPr lang="zh-TW" altLang="en-US" sz="4800" b="1" dirty="0">
+                <a:latin typeface="Microsoft JhengHei" panose="020B0604030504040204" pitchFamily="34" charset="-120"/>
+                <a:ea typeface="Microsoft JhengHei" panose="020B0604030504040204" pitchFamily="34" charset="-120"/>
+              </a:rPr>
               <a:t>愛與被愛</a:t>
             </a:r>
-            <a:endParaRPr lang="zh-TW" altLang="en-US" dirty="0"/>
+            <a:endParaRPr lang="zh-TW" altLang="en-US" sz="4800" b="1" dirty="0">
+              <a:latin typeface="Microsoft JhengHei" panose="020B0604030504040204" pitchFamily="34" charset="-120"/>
+              <a:ea typeface="Microsoft JhengHei" panose="020B0604030504040204" pitchFamily="34" charset="-120"/>
+            </a:endParaRPr>
           </a:p>
         </p:txBody>
       </p:sp>
@@ -3687,7 +3527,7 @@
         </p:nvSpPr>
         <p:spPr>
           <a:xfrm>
-            <a:off x="0" y="1600200"/>
+            <a:off x="1524000" y="1600200"/>
             <a:ext cx="9144000" cy="5257800"/>
           </a:xfrm>
         </p:spPr>
@@ -3701,62 +3541,59 @@
               <a:buNone/>
             </a:pPr>
             <a:r>
-              <a:rPr lang="zh-TW" altLang="en-US" sz="5400" dirty="0"/>
-              <a:t>原來神是</a:t>
-            </a:r>
-            <a:r>
-              <a:rPr lang="zh-TW" altLang="en-US" sz="5400" dirty="0" smtClean="0"/>
-              <a:t>愛</a:t>
-            </a:r>
-            <a:endParaRPr lang="en-US" altLang="zh-TW" sz="5400" dirty="0" smtClean="0"/>
+              <a:rPr lang="zh-TW" altLang="en-US" sz="5400" b="1" dirty="0">
+                <a:latin typeface="Microsoft JhengHei" panose="020B0604030504040204" pitchFamily="34" charset="-120"/>
+                <a:ea typeface="Microsoft JhengHei" panose="020B0604030504040204" pitchFamily="34" charset="-120"/>
+              </a:rPr>
+              <a:t>原來神是愛</a:t>
+            </a:r>
+            <a:endParaRPr lang="en-US" altLang="zh-TW" sz="5400" b="1" dirty="0">
+              <a:latin typeface="Microsoft JhengHei" panose="020B0604030504040204" pitchFamily="34" charset="-120"/>
+              <a:ea typeface="Microsoft JhengHei" panose="020B0604030504040204" pitchFamily="34" charset="-120"/>
+            </a:endParaRPr>
           </a:p>
           <a:p>
             <a:pPr algn="ctr">
               <a:buNone/>
             </a:pPr>
             <a:r>
-              <a:rPr lang="zh-TW" altLang="en-US" sz="5400" dirty="0" smtClean="0"/>
-              <a:t>太</a:t>
-            </a:r>
-            <a:r>
-              <a:rPr lang="zh-TW" altLang="en-US" sz="5400" dirty="0"/>
-              <a:t>初開始已是</a:t>
-            </a:r>
-            <a:r>
-              <a:rPr lang="zh-TW" altLang="en-US" sz="5400" dirty="0" smtClean="0"/>
-              <a:t>存在</a:t>
-            </a:r>
-            <a:endParaRPr lang="en-US" altLang="zh-TW" sz="5400" dirty="0"/>
+              <a:rPr lang="zh-TW" altLang="en-US" sz="5400" b="1" dirty="0">
+                <a:latin typeface="Microsoft JhengHei" panose="020B0604030504040204" pitchFamily="34" charset="-120"/>
+                <a:ea typeface="Microsoft JhengHei" panose="020B0604030504040204" pitchFamily="34" charset="-120"/>
+              </a:rPr>
+              <a:t>太初開始已是存在</a:t>
+            </a:r>
+            <a:endParaRPr lang="en-US" altLang="zh-TW" sz="5400" b="1" dirty="0">
+              <a:latin typeface="Microsoft JhengHei" panose="020B0604030504040204" pitchFamily="34" charset="-120"/>
+              <a:ea typeface="Microsoft JhengHei" panose="020B0604030504040204" pitchFamily="34" charset="-120"/>
+            </a:endParaRPr>
           </a:p>
           <a:p>
             <a:pPr algn="ctr">
               <a:buNone/>
             </a:pPr>
             <a:r>
-              <a:rPr lang="zh-TW" altLang="en-US" sz="5400" dirty="0" smtClean="0"/>
-              <a:t>全</a:t>
-            </a:r>
-            <a:r>
-              <a:rPr lang="zh-TW" altLang="en-US" sz="5400" dirty="0"/>
-              <a:t>憑神是</a:t>
-            </a:r>
-            <a:r>
-              <a:rPr lang="zh-TW" altLang="en-US" sz="5400" dirty="0" smtClean="0"/>
-              <a:t>愛</a:t>
-            </a:r>
-            <a:endParaRPr lang="en-US" altLang="zh-TW" sz="5400" dirty="0" smtClean="0"/>
+              <a:rPr lang="zh-TW" altLang="en-US" sz="5400" b="1" dirty="0">
+                <a:latin typeface="Microsoft JhengHei" panose="020B0604030504040204" pitchFamily="34" charset="-120"/>
+                <a:ea typeface="Microsoft JhengHei" panose="020B0604030504040204" pitchFamily="34" charset="-120"/>
+              </a:rPr>
+              <a:t>全憑神是愛</a:t>
+            </a:r>
+            <a:endParaRPr lang="en-US" altLang="zh-TW" sz="5400" b="1" dirty="0">
+              <a:latin typeface="Microsoft JhengHei" panose="020B0604030504040204" pitchFamily="34" charset="-120"/>
+              <a:ea typeface="Microsoft JhengHei" panose="020B0604030504040204" pitchFamily="34" charset="-120"/>
+            </a:endParaRPr>
           </a:p>
           <a:p>
             <a:pPr algn="ctr">
               <a:buNone/>
             </a:pPr>
             <a:r>
-              <a:rPr lang="zh-TW" altLang="en-US" sz="5400" dirty="0" smtClean="0"/>
-              <a:t>護</a:t>
-            </a:r>
-            <a:r>
-              <a:rPr lang="zh-TW" altLang="en-US" sz="5400" dirty="0"/>
-              <a:t>蔭一生使我空虛不再</a:t>
+              <a:rPr lang="zh-TW" altLang="en-US" sz="5400" b="1" dirty="0">
+                <a:latin typeface="Microsoft JhengHei" panose="020B0604030504040204" pitchFamily="34" charset="-120"/>
+                <a:ea typeface="Microsoft JhengHei" panose="020B0604030504040204" pitchFamily="34" charset="-120"/>
+              </a:rPr>
+              <a:t>護蔭一生使我空虛不再</a:t>
             </a:r>
           </a:p>
         </p:txBody>
@@ -3798,14 +3635,22 @@
         </p:nvSpPr>
         <p:spPr/>
         <p:txBody>
-          <a:bodyPr/>
-          <a:lstStyle/>
-          <a:p>
-            <a:r>
-              <a:rPr lang="zh-TW" altLang="en-US" dirty="0" smtClean="0"/>
+          <a:bodyPr>
+            <a:normAutofit/>
+          </a:bodyPr>
+          <a:lstStyle/>
+          <a:p>
+            <a:r>
+              <a:rPr lang="zh-TW" altLang="en-US" sz="4800" b="1" dirty="0">
+                <a:latin typeface="Microsoft JhengHei" panose="020B0604030504040204" pitchFamily="34" charset="-120"/>
+                <a:ea typeface="Microsoft JhengHei" panose="020B0604030504040204" pitchFamily="34" charset="-120"/>
+              </a:rPr>
               <a:t>愛與被愛</a:t>
             </a:r>
-            <a:endParaRPr lang="zh-TW" altLang="en-US" dirty="0"/>
+            <a:endParaRPr lang="zh-TW" altLang="en-US" sz="4800" b="1" dirty="0">
+              <a:latin typeface="Microsoft JhengHei" panose="020B0604030504040204" pitchFamily="34" charset="-120"/>
+              <a:ea typeface="Microsoft JhengHei" panose="020B0604030504040204" pitchFamily="34" charset="-120"/>
+            </a:endParaRPr>
           </a:p>
         </p:txBody>
       </p:sp>
@@ -3821,7 +3666,7 @@
         </p:nvSpPr>
         <p:spPr>
           <a:xfrm>
-            <a:off x="0" y="1600200"/>
+            <a:off x="1524000" y="1600200"/>
             <a:ext cx="9144000" cy="5257800"/>
           </a:xfrm>
         </p:spPr>
@@ -3835,70 +3680,59 @@
               <a:buNone/>
             </a:pPr>
             <a:r>
-              <a:rPr lang="zh-TW" altLang="en-US" sz="5400" dirty="0"/>
-              <a:t>為我擦亮眼曉得愛與被</a:t>
-            </a:r>
-            <a:r>
-              <a:rPr lang="zh-TW" altLang="en-US" sz="5400" dirty="0" smtClean="0"/>
-              <a:t>愛</a:t>
-            </a:r>
-            <a:endParaRPr lang="en-US" altLang="zh-TW" sz="5400" dirty="0" smtClean="0"/>
+              <a:rPr lang="zh-TW" altLang="en-US" sz="5400" b="1" dirty="0">
+                <a:latin typeface="Microsoft JhengHei" panose="020B0604030504040204" pitchFamily="34" charset="-120"/>
+                <a:ea typeface="Microsoft JhengHei" panose="020B0604030504040204" pitchFamily="34" charset="-120"/>
+              </a:rPr>
+              <a:t>為我擦亮眼曉得愛與被愛</a:t>
+            </a:r>
+            <a:endParaRPr lang="en-US" altLang="zh-TW" sz="5400" b="1" dirty="0">
+              <a:latin typeface="Microsoft JhengHei" panose="020B0604030504040204" pitchFamily="34" charset="-120"/>
+              <a:ea typeface="Microsoft JhengHei" panose="020B0604030504040204" pitchFamily="34" charset="-120"/>
+            </a:endParaRPr>
           </a:p>
           <a:p>
             <a:pPr algn="ctr">
               <a:buNone/>
             </a:pPr>
             <a:r>
-              <a:rPr lang="zh-TW" altLang="en-US" sz="5400" dirty="0" smtClean="0"/>
-              <a:t>這</a:t>
-            </a:r>
-            <a:r>
-              <a:rPr lang="zh-TW" altLang="en-US" sz="5400" dirty="0"/>
-              <a:t>種感覺極</a:t>
-            </a:r>
-            <a:r>
-              <a:rPr lang="zh-TW" altLang="en-US" sz="5400" dirty="0" smtClean="0"/>
-              <a:t>期待</a:t>
-            </a:r>
-            <a:endParaRPr lang="en-US" altLang="zh-TW" sz="5400" dirty="0"/>
+              <a:rPr lang="zh-TW" altLang="en-US" sz="5400" b="1" dirty="0">
+                <a:latin typeface="Microsoft JhengHei" panose="020B0604030504040204" pitchFamily="34" charset="-120"/>
+                <a:ea typeface="Microsoft JhengHei" panose="020B0604030504040204" pitchFamily="34" charset="-120"/>
+              </a:rPr>
+              <a:t>這種感覺極期待</a:t>
+            </a:r>
+            <a:endParaRPr lang="en-US" altLang="zh-TW" sz="5400" b="1" dirty="0">
+              <a:latin typeface="Microsoft JhengHei" panose="020B0604030504040204" pitchFamily="34" charset="-120"/>
+              <a:ea typeface="Microsoft JhengHei" panose="020B0604030504040204" pitchFamily="34" charset="-120"/>
+            </a:endParaRPr>
           </a:p>
           <a:p>
             <a:pPr algn="ctr">
               <a:buNone/>
             </a:pPr>
             <a:r>
-              <a:rPr lang="zh-TW" altLang="en-US" sz="5400" dirty="0" smtClean="0"/>
-              <a:t>用</a:t>
-            </a:r>
-            <a:r>
-              <a:rPr lang="zh-TW" altLang="en-US" sz="5400" dirty="0"/>
-              <a:t>愛照亮</a:t>
-            </a:r>
-            <a:r>
-              <a:rPr lang="zh-TW" altLang="en-US" sz="5400" dirty="0" smtClean="0"/>
-              <a:t>我  福</a:t>
-            </a:r>
-            <a:r>
-              <a:rPr lang="zh-TW" altLang="en-US" sz="5400" dirty="0"/>
-              <a:t>杯滿滿盛</a:t>
-            </a:r>
-            <a:r>
-              <a:rPr lang="zh-TW" altLang="en-US" sz="5400" dirty="0" smtClean="0"/>
-              <a:t>載</a:t>
-            </a:r>
-            <a:endParaRPr lang="en-US" altLang="zh-TW" sz="5400" dirty="0" smtClean="0"/>
+              <a:rPr lang="zh-TW" altLang="en-US" sz="5400" b="1" dirty="0">
+                <a:latin typeface="Microsoft JhengHei" panose="020B0604030504040204" pitchFamily="34" charset="-120"/>
+                <a:ea typeface="Microsoft JhengHei" panose="020B0604030504040204" pitchFamily="34" charset="-120"/>
+              </a:rPr>
+              <a:t>用愛照亮我  福杯滿滿盛載</a:t>
+            </a:r>
+            <a:endParaRPr lang="en-US" altLang="zh-TW" sz="5400" b="1" dirty="0">
+              <a:latin typeface="Microsoft JhengHei" panose="020B0604030504040204" pitchFamily="34" charset="-120"/>
+              <a:ea typeface="Microsoft JhengHei" panose="020B0604030504040204" pitchFamily="34" charset="-120"/>
+            </a:endParaRPr>
           </a:p>
           <a:p>
             <a:pPr algn="ctr">
               <a:buNone/>
             </a:pPr>
             <a:r>
-              <a:rPr lang="zh-TW" altLang="en-US" sz="5400" dirty="0" smtClean="0"/>
-              <a:t>豐盛</a:t>
-            </a:r>
-            <a:r>
-              <a:rPr lang="zh-TW" altLang="en-US" sz="5400" dirty="0"/>
-              <a:t>無更改</a:t>
+              <a:rPr lang="zh-TW" altLang="en-US" sz="5400" b="1" dirty="0">
+                <a:latin typeface="Microsoft JhengHei" panose="020B0604030504040204" pitchFamily="34" charset="-120"/>
+                <a:ea typeface="Microsoft JhengHei" panose="020B0604030504040204" pitchFamily="34" charset="-120"/>
+              </a:rPr>
+              <a:t>豐盛無更改</a:t>
             </a:r>
           </a:p>
         </p:txBody>
@@ -3944,10 +3778,30 @@
           <a:lstStyle/>
           <a:p>
             <a:r>
-              <a:rPr lang="zh-TW" altLang="en-US" dirty="0" smtClean="0"/>
-              <a:t>愛與被愛</a:t>
-            </a:r>
-            <a:endParaRPr lang="zh-TW" altLang="en-US" dirty="0"/>
+              <a:rPr lang="zh-TW" altLang="en-US" sz="4800" b="1" dirty="0">
+                <a:latin typeface="Microsoft JhengHei" panose="020B0604030504040204" pitchFamily="34" charset="-120"/>
+                <a:ea typeface="Microsoft JhengHei" panose="020B0604030504040204" pitchFamily="34" charset="-120"/>
+              </a:rPr>
+              <a:t>愛</a:t>
+            </a:r>
+            <a:r>
+              <a:rPr lang="zh-TW" altLang="en-US" sz="4800" b="1" dirty="0">
+                <a:latin typeface="Microsoft JhengHei" panose="020B0604030504040204" pitchFamily="34" charset="-120"/>
+                <a:ea typeface="Microsoft JhengHei" panose="020B0604030504040204" pitchFamily="34" charset="-120"/>
+              </a:rPr>
+              <a:t>與</a:t>
+            </a:r>
+            <a:r>
+              <a:rPr lang="zh-TW" altLang="en-US" sz="4800" b="1" dirty="0">
+                <a:latin typeface="Microsoft JhengHei" panose="020B0604030504040204" pitchFamily="34" charset="-120"/>
+                <a:ea typeface="Microsoft JhengHei" panose="020B0604030504040204" pitchFamily="34" charset="-120"/>
+              </a:rPr>
+              <a:t>被愛</a:t>
+            </a:r>
+            <a:endParaRPr lang="zh-TW" altLang="en-US" sz="4800" b="1" dirty="0">
+              <a:latin typeface="Microsoft JhengHei" panose="020B0604030504040204" pitchFamily="34" charset="-120"/>
+              <a:ea typeface="Microsoft JhengHei" panose="020B0604030504040204" pitchFamily="34" charset="-120"/>
+            </a:endParaRPr>
           </a:p>
         </p:txBody>
       </p:sp>
@@ -3963,7 +3817,7 @@
         </p:nvSpPr>
         <p:spPr>
           <a:xfrm>
-            <a:off x="0" y="1600200"/>
+            <a:off x="1524000" y="1600200"/>
             <a:ext cx="9144000" cy="5257800"/>
           </a:xfrm>
         </p:spPr>
@@ -3977,62 +3831,59 @@
               <a:buNone/>
             </a:pPr>
             <a:r>
-              <a:rPr lang="zh-TW" altLang="en-US" sz="5400" dirty="0"/>
-              <a:t>原來神是</a:t>
-            </a:r>
-            <a:r>
-              <a:rPr lang="zh-TW" altLang="en-US" sz="5400" dirty="0" smtClean="0"/>
-              <a:t>愛</a:t>
-            </a:r>
-            <a:endParaRPr lang="en-US" altLang="zh-TW" sz="5400" dirty="0" smtClean="0"/>
+              <a:rPr lang="zh-TW" altLang="en-US" sz="5400" b="1" dirty="0">
+                <a:latin typeface="Microsoft JhengHei" panose="020B0604030504040204" pitchFamily="34" charset="-120"/>
+                <a:ea typeface="Microsoft JhengHei" panose="020B0604030504040204" pitchFamily="34" charset="-120"/>
+              </a:rPr>
+              <a:t>原來神是愛</a:t>
+            </a:r>
+            <a:endParaRPr lang="en-US" altLang="zh-TW" sz="5400" b="1" dirty="0">
+              <a:latin typeface="Microsoft JhengHei" panose="020B0604030504040204" pitchFamily="34" charset="-120"/>
+              <a:ea typeface="Microsoft JhengHei" panose="020B0604030504040204" pitchFamily="34" charset="-120"/>
+            </a:endParaRPr>
           </a:p>
           <a:p>
             <a:pPr algn="ctr">
               <a:buNone/>
             </a:pPr>
             <a:r>
-              <a:rPr lang="zh-TW" altLang="en-US" sz="5400" dirty="0" smtClean="0"/>
-              <a:t>太</a:t>
-            </a:r>
-            <a:r>
-              <a:rPr lang="zh-TW" altLang="en-US" sz="5400" dirty="0"/>
-              <a:t>初開始已是</a:t>
-            </a:r>
-            <a:r>
-              <a:rPr lang="zh-TW" altLang="en-US" sz="5400" dirty="0" smtClean="0"/>
-              <a:t>存在</a:t>
-            </a:r>
-            <a:endParaRPr lang="en-US" altLang="zh-TW" sz="5400" dirty="0"/>
+              <a:rPr lang="zh-TW" altLang="en-US" sz="5400" b="1" dirty="0">
+                <a:latin typeface="Microsoft JhengHei" panose="020B0604030504040204" pitchFamily="34" charset="-120"/>
+                <a:ea typeface="Microsoft JhengHei" panose="020B0604030504040204" pitchFamily="34" charset="-120"/>
+              </a:rPr>
+              <a:t>太初開始已是存在</a:t>
+            </a:r>
+            <a:endParaRPr lang="en-US" altLang="zh-TW" sz="5400" b="1" dirty="0">
+              <a:latin typeface="Microsoft JhengHei" panose="020B0604030504040204" pitchFamily="34" charset="-120"/>
+              <a:ea typeface="Microsoft JhengHei" panose="020B0604030504040204" pitchFamily="34" charset="-120"/>
+            </a:endParaRPr>
           </a:p>
           <a:p>
             <a:pPr algn="ctr">
               <a:buNone/>
             </a:pPr>
             <a:r>
-              <a:rPr lang="zh-TW" altLang="en-US" sz="5400" dirty="0" smtClean="0"/>
-              <a:t>全</a:t>
-            </a:r>
-            <a:r>
-              <a:rPr lang="zh-TW" altLang="en-US" sz="5400" dirty="0"/>
-              <a:t>憑神是</a:t>
-            </a:r>
-            <a:r>
-              <a:rPr lang="zh-TW" altLang="en-US" sz="5400" dirty="0" smtClean="0"/>
-              <a:t>愛</a:t>
-            </a:r>
-            <a:endParaRPr lang="en-US" altLang="zh-TW" sz="5400" dirty="0" smtClean="0"/>
+              <a:rPr lang="zh-TW" altLang="en-US" sz="5400" b="1" dirty="0">
+                <a:latin typeface="Microsoft JhengHei" panose="020B0604030504040204" pitchFamily="34" charset="-120"/>
+                <a:ea typeface="Microsoft JhengHei" panose="020B0604030504040204" pitchFamily="34" charset="-120"/>
+              </a:rPr>
+              <a:t>全憑神是愛</a:t>
+            </a:r>
+            <a:endParaRPr lang="en-US" altLang="zh-TW" sz="5400" b="1" dirty="0">
+              <a:latin typeface="Microsoft JhengHei" panose="020B0604030504040204" pitchFamily="34" charset="-120"/>
+              <a:ea typeface="Microsoft JhengHei" panose="020B0604030504040204" pitchFamily="34" charset="-120"/>
+            </a:endParaRPr>
           </a:p>
           <a:p>
             <a:pPr algn="ctr">
               <a:buNone/>
             </a:pPr>
             <a:r>
-              <a:rPr lang="zh-TW" altLang="en-US" sz="5400" dirty="0" smtClean="0"/>
-              <a:t>護</a:t>
-            </a:r>
-            <a:r>
-              <a:rPr lang="zh-TW" altLang="en-US" sz="5400" dirty="0"/>
-              <a:t>蔭一生使我空虛不再</a:t>
+              <a:rPr lang="zh-TW" altLang="en-US" sz="5400" b="1" dirty="0">
+                <a:latin typeface="Microsoft JhengHei" panose="020B0604030504040204" pitchFamily="34" charset="-120"/>
+                <a:ea typeface="Microsoft JhengHei" panose="020B0604030504040204" pitchFamily="34" charset="-120"/>
+              </a:rPr>
+              <a:t>護蔭一生使我空虛不再</a:t>
             </a:r>
           </a:p>
         </p:txBody>
@@ -4074,14 +3925,22 @@
         </p:nvSpPr>
         <p:spPr/>
         <p:txBody>
-          <a:bodyPr/>
-          <a:lstStyle/>
-          <a:p>
-            <a:r>
-              <a:rPr lang="zh-TW" altLang="en-US" dirty="0" smtClean="0"/>
+          <a:bodyPr>
+            <a:normAutofit/>
+          </a:bodyPr>
+          <a:lstStyle/>
+          <a:p>
+            <a:r>
+              <a:rPr lang="zh-TW" altLang="en-US" sz="4800" b="1" dirty="0">
+                <a:latin typeface="Microsoft JhengHei" panose="020B0604030504040204" pitchFamily="34" charset="-120"/>
+                <a:ea typeface="Microsoft JhengHei" panose="020B0604030504040204" pitchFamily="34" charset="-120"/>
+              </a:rPr>
               <a:t>愛與被愛</a:t>
             </a:r>
-            <a:endParaRPr lang="zh-TW" altLang="en-US" dirty="0"/>
+            <a:endParaRPr lang="zh-TW" altLang="en-US" sz="4800" b="1" dirty="0">
+              <a:latin typeface="Microsoft JhengHei" panose="020B0604030504040204" pitchFamily="34" charset="-120"/>
+              <a:ea typeface="Microsoft JhengHei" panose="020B0604030504040204" pitchFamily="34" charset="-120"/>
+            </a:endParaRPr>
           </a:p>
         </p:txBody>
       </p:sp>
@@ -4097,7 +3956,7 @@
         </p:nvSpPr>
         <p:spPr>
           <a:xfrm>
-            <a:off x="0" y="1600200"/>
+            <a:off x="1524000" y="1600200"/>
             <a:ext cx="9144000" cy="5257800"/>
           </a:xfrm>
         </p:spPr>
@@ -4111,62 +3970,59 @@
               <a:buNone/>
             </a:pPr>
             <a:r>
-              <a:rPr lang="zh-TW" altLang="en-US" sz="5400" dirty="0"/>
-              <a:t>原來神是</a:t>
-            </a:r>
-            <a:r>
-              <a:rPr lang="zh-TW" altLang="en-US" sz="5400" dirty="0" smtClean="0"/>
-              <a:t>愛</a:t>
-            </a:r>
-            <a:endParaRPr lang="en-US" altLang="zh-TW" sz="5400" dirty="0" smtClean="0"/>
+              <a:rPr lang="zh-TW" altLang="en-US" sz="5400" b="1" dirty="0">
+                <a:latin typeface="Microsoft JhengHei" panose="020B0604030504040204" pitchFamily="34" charset="-120"/>
+                <a:ea typeface="Microsoft JhengHei" panose="020B0604030504040204" pitchFamily="34" charset="-120"/>
+              </a:rPr>
+              <a:t>原來神是愛</a:t>
+            </a:r>
+            <a:endParaRPr lang="en-US" altLang="zh-TW" sz="5400" b="1" dirty="0">
+              <a:latin typeface="Microsoft JhengHei" panose="020B0604030504040204" pitchFamily="34" charset="-120"/>
+              <a:ea typeface="Microsoft JhengHei" panose="020B0604030504040204" pitchFamily="34" charset="-120"/>
+            </a:endParaRPr>
           </a:p>
           <a:p>
             <a:pPr algn="ctr">
               <a:buNone/>
             </a:pPr>
             <a:r>
-              <a:rPr lang="zh-TW" altLang="en-US" sz="5400" dirty="0" smtClean="0"/>
-              <a:t>太</a:t>
-            </a:r>
-            <a:r>
-              <a:rPr lang="zh-TW" altLang="en-US" sz="5400" dirty="0"/>
-              <a:t>初開始己是</a:t>
-            </a:r>
-            <a:r>
-              <a:rPr lang="zh-TW" altLang="en-US" sz="5400" dirty="0" smtClean="0"/>
-              <a:t>存在</a:t>
-            </a:r>
-            <a:endParaRPr lang="en-US" altLang="zh-TW" sz="5400" dirty="0"/>
+              <a:rPr lang="zh-TW" altLang="en-US" sz="5400" b="1" dirty="0">
+                <a:latin typeface="Microsoft JhengHei" panose="020B0604030504040204" pitchFamily="34" charset="-120"/>
+                <a:ea typeface="Microsoft JhengHei" panose="020B0604030504040204" pitchFamily="34" charset="-120"/>
+              </a:rPr>
+              <a:t>太初開始己是存在</a:t>
+            </a:r>
+            <a:endParaRPr lang="en-US" altLang="zh-TW" sz="5400" b="1" dirty="0">
+              <a:latin typeface="Microsoft JhengHei" panose="020B0604030504040204" pitchFamily="34" charset="-120"/>
+              <a:ea typeface="Microsoft JhengHei" panose="020B0604030504040204" pitchFamily="34" charset="-120"/>
+            </a:endParaRPr>
           </a:p>
           <a:p>
             <a:pPr algn="ctr">
               <a:buNone/>
             </a:pPr>
             <a:r>
-              <a:rPr lang="zh-TW" altLang="en-US" sz="5400" dirty="0" smtClean="0"/>
-              <a:t>傳揚</a:t>
-            </a:r>
-            <a:r>
-              <a:rPr lang="zh-TW" altLang="en-US" sz="5400" dirty="0"/>
-              <a:t>神是</a:t>
-            </a:r>
-            <a:r>
-              <a:rPr lang="zh-TW" altLang="en-US" sz="5400" dirty="0" smtClean="0"/>
-              <a:t>愛</a:t>
-            </a:r>
-            <a:endParaRPr lang="en-US" altLang="zh-TW" sz="5400" dirty="0" smtClean="0"/>
+              <a:rPr lang="zh-TW" altLang="en-US" sz="5400" b="1" dirty="0">
+                <a:latin typeface="Microsoft JhengHei" panose="020B0604030504040204" pitchFamily="34" charset="-120"/>
+                <a:ea typeface="Microsoft JhengHei" panose="020B0604030504040204" pitchFamily="34" charset="-120"/>
+              </a:rPr>
+              <a:t>傳揚神是愛</a:t>
+            </a:r>
+            <a:endParaRPr lang="en-US" altLang="zh-TW" sz="5400" b="1" dirty="0">
+              <a:latin typeface="Microsoft JhengHei" panose="020B0604030504040204" pitchFamily="34" charset="-120"/>
+              <a:ea typeface="Microsoft JhengHei" panose="020B0604030504040204" pitchFamily="34" charset="-120"/>
+            </a:endParaRPr>
           </a:p>
           <a:p>
             <a:pPr algn="ctr">
               <a:buNone/>
             </a:pPr>
             <a:r>
-              <a:rPr lang="zh-TW" altLang="en-US" sz="5400" dirty="0" smtClean="0"/>
-              <a:t>地老天荒</a:t>
-            </a:r>
-            <a:r>
-              <a:rPr lang="zh-TW" altLang="en-US" sz="5400" dirty="0"/>
-              <a:t>不變不死的愛</a:t>
+              <a:rPr lang="zh-TW" altLang="en-US" sz="5400" b="1" dirty="0">
+                <a:latin typeface="Microsoft JhengHei" panose="020B0604030504040204" pitchFamily="34" charset="-120"/>
+                <a:ea typeface="Microsoft JhengHei" panose="020B0604030504040204" pitchFamily="34" charset="-120"/>
+              </a:rPr>
+              <a:t>地老天荒不變不死的愛</a:t>
             </a:r>
           </a:p>
         </p:txBody>
@@ -4180,7 +4036,7 @@
 </file>
 
 <file path=ppt/theme/theme1.xml><?xml version="1.0" encoding="utf-8"?>
-<a:theme xmlns:a="http://schemas.openxmlformats.org/drawingml/2006/main" name="佈景主題3">
+<a:theme xmlns:a="http://schemas.openxmlformats.org/drawingml/2006/main" name="Theme1">
   <a:themeElements>
     <a:clrScheme name="Office">
       <a:dk1>
@@ -4459,5 +4315,10 @@
   </a:themeElements>
   <a:objectDefaults/>
   <a:extraClrSchemeLst/>
+  <a:extLst>
+    <a:ext uri="{05A4C25C-085E-4340-85A3-A5531E510DB2}">
+      <thm15:themeFamily xmlns:thm15="http://schemas.microsoft.com/office/thememl/2012/main" name="Theme1" id="{AFC7C034-021A-479F-A5B0-F4AE2AC2A6F8}" vid="{E4B01A5C-7C0B-4AB8-8973-047186F18E30}"/>
+    </a:ext>
+  </a:extLst>
 </a:theme>
 </file>